--- a/Simulasi/Rangkum PPT/Chapter 7.pptx
+++ b/Simulasi/Rangkum PPT/Chapter 7.pptx
@@ -22,26 +22,26 @@
     <p:sldId id="339" r:id="rId13"/>
     <p:sldId id="340" r:id="rId14"/>
     <p:sldId id="286" r:id="rId15"/>
-    <p:sldId id="341" r:id="rId16"/>
-    <p:sldId id="288" r:id="rId17"/>
-    <p:sldId id="289" r:id="rId18"/>
-    <p:sldId id="291" r:id="rId19"/>
-    <p:sldId id="293" r:id="rId20"/>
-    <p:sldId id="294" r:id="rId21"/>
-    <p:sldId id="262" r:id="rId22"/>
-    <p:sldId id="295" r:id="rId23"/>
-    <p:sldId id="296" r:id="rId24"/>
-    <p:sldId id="297" r:id="rId25"/>
-    <p:sldId id="298" r:id="rId26"/>
-    <p:sldId id="299" r:id="rId27"/>
-    <p:sldId id="300" r:id="rId28"/>
-    <p:sldId id="301" r:id="rId29"/>
-    <p:sldId id="263" r:id="rId30"/>
-    <p:sldId id="303" r:id="rId31"/>
-    <p:sldId id="304" r:id="rId32"/>
-    <p:sldId id="305" r:id="rId33"/>
-    <p:sldId id="306" r:id="rId34"/>
-    <p:sldId id="307" r:id="rId35"/>
+    <p:sldId id="343" r:id="rId16"/>
+    <p:sldId id="341" r:id="rId17"/>
+    <p:sldId id="288" r:id="rId18"/>
+    <p:sldId id="289" r:id="rId19"/>
+    <p:sldId id="291" r:id="rId20"/>
+    <p:sldId id="293" r:id="rId21"/>
+    <p:sldId id="294" r:id="rId22"/>
+    <p:sldId id="262" r:id="rId23"/>
+    <p:sldId id="295" r:id="rId24"/>
+    <p:sldId id="296" r:id="rId25"/>
+    <p:sldId id="297" r:id="rId26"/>
+    <p:sldId id="298" r:id="rId27"/>
+    <p:sldId id="299" r:id="rId28"/>
+    <p:sldId id="300" r:id="rId29"/>
+    <p:sldId id="301" r:id="rId30"/>
+    <p:sldId id="263" r:id="rId31"/>
+    <p:sldId id="303" r:id="rId32"/>
+    <p:sldId id="304" r:id="rId33"/>
+    <p:sldId id="305" r:id="rId34"/>
+    <p:sldId id="306" r:id="rId35"/>
     <p:sldId id="308" r:id="rId36"/>
     <p:sldId id="309" r:id="rId37"/>
     <p:sldId id="310" r:id="rId38"/>
@@ -196,6 +196,7 @@
             <p14:sldId id="339"/>
             <p14:sldId id="340"/>
             <p14:sldId id="286"/>
+            <p14:sldId id="343"/>
             <p14:sldId id="341"/>
             <p14:sldId id="288"/>
             <p14:sldId id="289"/>
@@ -223,7 +224,6 @@
             <p14:sldId id="304"/>
             <p14:sldId id="305"/>
             <p14:sldId id="306"/>
-            <p14:sldId id="307"/>
             <p14:sldId id="308"/>
             <p14:sldId id="309"/>
             <p14:sldId id="310"/>
@@ -264,6 +264,9 @@
           </p14:sldIdLst>
         </p14:section>
       </p14:sectionLst>
+    </p:ext>
+    <p:ext uri="{EFAFB233-063F-42B5-8137-9DF3F51BA10A}">
+      <p15:sldGuideLst xmlns:p15="http://schemas.microsoft.com/office/powerpoint/2012/main"/>
     </p:ext>
   </p:extLst>
 </p:presentation>
@@ -351,7 +354,7 @@
           <a:p>
             <a:fld id="{EE18202A-9F31-488A-B656-31716C52362D}" type="datetimeFigureOut">
               <a:rPr lang="id-ID" smtClean="0"/>
-              <a:t>12/01/2019</a:t>
+              <a:t>13/01/2019</a:t>
             </a:fld>
             <a:endParaRPr lang="id-ID"/>
           </a:p>
@@ -836,7 +839,7 @@
           <a:p>
             <a:fld id="{75945A03-1ECB-47F9-AF14-7B0BDAC8A608}" type="slidenum">
               <a:rPr lang="id-ID" smtClean="0"/>
-              <a:t>18</a:t>
+              <a:t>19</a:t>
             </a:fld>
             <a:endParaRPr lang="id-ID"/>
           </a:p>
@@ -932,7 +935,7 @@
           <a:p>
             <a:fld id="{75945A03-1ECB-47F9-AF14-7B0BDAC8A608}" type="slidenum">
               <a:rPr lang="id-ID" smtClean="0"/>
-              <a:t>19</a:t>
+              <a:t>20</a:t>
             </a:fld>
             <a:endParaRPr lang="id-ID"/>
           </a:p>
@@ -1028,7 +1031,7 @@
           <a:p>
             <a:fld id="{75945A03-1ECB-47F9-AF14-7B0BDAC8A608}" type="slidenum">
               <a:rPr lang="id-ID" smtClean="0"/>
-              <a:t>20</a:t>
+              <a:t>21</a:t>
             </a:fld>
             <a:endParaRPr lang="id-ID"/>
           </a:p>
@@ -1126,7 +1129,7 @@
           <a:p>
             <a:fld id="{75945A03-1ECB-47F9-AF14-7B0BDAC8A608}" type="slidenum">
               <a:rPr lang="id-ID" smtClean="0"/>
-              <a:t>22</a:t>
+              <a:t>23</a:t>
             </a:fld>
             <a:endParaRPr lang="id-ID"/>
           </a:p>
@@ -1229,7 +1232,7 @@
           <a:p>
             <a:fld id="{75945A03-1ECB-47F9-AF14-7B0BDAC8A608}" type="slidenum">
               <a:rPr lang="id-ID" smtClean="0"/>
-              <a:t>23</a:t>
+              <a:t>24</a:t>
             </a:fld>
             <a:endParaRPr lang="id-ID"/>
           </a:p>
@@ -1277,8 +1280,8 @@
         </p:nvSpPr>
         <p:spPr/>
       </p:sp>
-      <mc:AlternateContent xmlns:mc="http://schemas.openxmlformats.org/markup-compatibility/2006">
-        <mc:Choice xmlns:a14="http://schemas.microsoft.com/office/drawing/2010/main" Requires="a14">
+      <mc:AlternateContent xmlns:mc="http://schemas.openxmlformats.org/markup-compatibility/2006" xmlns:a14="http://schemas.microsoft.com/office/drawing/2010/main">
+        <mc:Choice Requires="a14">
           <p:sp>
             <p:nvSpPr>
               <p:cNvPr id="3" name="Notes Placeholder 2"/>
@@ -1559,7 +1562,7 @@
             </p:txBody>
           </p:sp>
         </mc:Choice>
-        <mc:Fallback>
+        <mc:Fallback xmlns="">
           <p:sp>
             <p:nvSpPr>
               <p:cNvPr id="3" name="Notes Placeholder 2"/>
@@ -1719,7 +1722,7 @@
           <a:p>
             <a:fld id="{75945A03-1ECB-47F9-AF14-7B0BDAC8A608}" type="slidenum">
               <a:rPr lang="id-ID" smtClean="0"/>
-              <a:t>24</a:t>
+              <a:t>25</a:t>
             </a:fld>
             <a:endParaRPr lang="id-ID"/>
           </a:p>
@@ -1767,8 +1770,92 @@
         </p:nvSpPr>
         <p:spPr/>
       </p:sp>
-      <mc:AlternateContent xmlns:mc="http://schemas.openxmlformats.org/markup-compatibility/2006">
-        <mc:Choice xmlns:a14="http://schemas.microsoft.com/office/drawing/2010/main" Requires="a14">
+      <p:sp>
+        <p:nvSpPr>
+          <p:cNvPr id="3" name="Notes Placeholder 2"/>
+          <p:cNvSpPr>
+            <a:spLocks noGrp="1"/>
+          </p:cNvSpPr>
+          <p:nvPr>
+            <p:ph type="body" idx="1"/>
+          </p:nvPr>
+        </p:nvSpPr>
+        <p:spPr/>
+        <p:txBody>
+          <a:bodyPr/>
+          <a:lstStyle/>
+          <a:p>
+            <a:endParaRPr lang="id-ID"/>
+          </a:p>
+        </p:txBody>
+      </p:sp>
+      <p:sp>
+        <p:nvSpPr>
+          <p:cNvPr id="4" name="Slide Number Placeholder 3"/>
+          <p:cNvSpPr>
+            <a:spLocks noGrp="1"/>
+          </p:cNvSpPr>
+          <p:nvPr>
+            <p:ph type="sldNum" sz="quarter" idx="5"/>
+          </p:nvPr>
+        </p:nvSpPr>
+        <p:spPr/>
+        <p:txBody>
+          <a:bodyPr/>
+          <a:lstStyle/>
+          <a:p>
+            <a:fld id="{75945A03-1ECB-47F9-AF14-7B0BDAC8A608}" type="slidenum">
+              <a:rPr lang="id-ID" smtClean="0"/>
+              <a:t>32</a:t>
+            </a:fld>
+            <a:endParaRPr lang="id-ID"/>
+          </a:p>
+        </p:txBody>
+      </p:sp>
+    </p:spTree>
+    <p:extLst>
+      <p:ext uri="{BB962C8B-B14F-4D97-AF65-F5344CB8AC3E}">
+        <p14:creationId xmlns:p14="http://schemas.microsoft.com/office/powerpoint/2010/main" val="2202602417"/>
+      </p:ext>
+    </p:extLst>
+  </p:cSld>
+  <p:clrMapOvr>
+    <a:masterClrMapping/>
+  </p:clrMapOvr>
+</p:notes>
+</file>
+
+<file path=ppt/notesSlides/notesSlide17.xml><?xml version="1.0" encoding="utf-8"?>
+<p:notes xmlns:a="http://schemas.openxmlformats.org/drawingml/2006/main" xmlns:r="http://schemas.openxmlformats.org/officeDocument/2006/relationships" xmlns:p="http://schemas.openxmlformats.org/presentationml/2006/main">
+  <p:cSld>
+    <p:spTree>
+      <p:nvGrpSpPr>
+        <p:cNvPr id="1" name=""/>
+        <p:cNvGrpSpPr/>
+        <p:nvPr/>
+      </p:nvGrpSpPr>
+      <p:grpSpPr>
+        <a:xfrm>
+          <a:off x="0" y="0"/>
+          <a:ext cx="0" cy="0"/>
+          <a:chOff x="0" y="0"/>
+          <a:chExt cx="0" cy="0"/>
+        </a:xfrm>
+      </p:grpSpPr>
+      <p:sp>
+        <p:nvSpPr>
+          <p:cNvPr id="2" name="Slide Image Placeholder 1"/>
+          <p:cNvSpPr>
+            <a:spLocks noGrp="1" noRot="1" noChangeAspect="1"/>
+          </p:cNvSpPr>
+          <p:nvPr>
+            <p:ph type="sldImg"/>
+          </p:nvPr>
+        </p:nvSpPr>
+        <p:spPr/>
+      </p:sp>
+      <mc:AlternateContent xmlns:mc="http://schemas.openxmlformats.org/markup-compatibility/2006" xmlns:a14="http://schemas.microsoft.com/office/drawing/2010/main">
+        <mc:Choice Requires="a14">
           <p:sp>
             <p:nvSpPr>
               <p:cNvPr id="3" name="Notes Placeholder 2"/>
@@ -1872,7 +1959,7 @@
             </p:txBody>
           </p:sp>
         </mc:Choice>
-        <mc:Fallback>
+        <mc:Fallback xmlns="">
           <p:sp>
             <p:nvSpPr>
               <p:cNvPr id="3" name="Notes Placeholder 2"/>
@@ -1991,7 +2078,7 @@
 </p:notes>
 </file>
 
-<file path=ppt/notesSlides/notesSlide17.xml><?xml version="1.0" encoding="utf-8"?>
+<file path=ppt/notesSlides/notesSlide18.xml><?xml version="1.0" encoding="utf-8"?>
 <p:notes xmlns:a="http://schemas.openxmlformats.org/drawingml/2006/main" xmlns:r="http://schemas.openxmlformats.org/officeDocument/2006/relationships" xmlns:p="http://schemas.openxmlformats.org/presentationml/2006/main">
   <p:cSld>
     <p:spTree>
@@ -2092,7 +2179,368 @@
 </p:notes>
 </file>
 
-<file path=ppt/notesSlides/notesSlide18.xml><?xml version="1.0" encoding="utf-8"?>
+<file path=ppt/notesSlides/notesSlide19.xml><?xml version="1.0" encoding="utf-8"?>
+<p:notes xmlns:a="http://schemas.openxmlformats.org/drawingml/2006/main" xmlns:r="http://schemas.openxmlformats.org/officeDocument/2006/relationships" xmlns:p="http://schemas.openxmlformats.org/presentationml/2006/main">
+  <p:cSld>
+    <p:spTree>
+      <p:nvGrpSpPr>
+        <p:cNvPr id="1" name=""/>
+        <p:cNvGrpSpPr/>
+        <p:nvPr/>
+      </p:nvGrpSpPr>
+      <p:grpSpPr>
+        <a:xfrm>
+          <a:off x="0" y="0"/>
+          <a:ext cx="0" cy="0"/>
+          <a:chOff x="0" y="0"/>
+          <a:chExt cx="0" cy="0"/>
+        </a:xfrm>
+      </p:grpSpPr>
+      <p:sp>
+        <p:nvSpPr>
+          <p:cNvPr id="2" name="Slide Image Placeholder 1"/>
+          <p:cNvSpPr>
+            <a:spLocks noGrp="1" noRot="1" noChangeAspect="1"/>
+          </p:cNvSpPr>
+          <p:nvPr>
+            <p:ph type="sldImg"/>
+          </p:nvPr>
+        </p:nvSpPr>
+        <p:spPr/>
+      </p:sp>
+      <mc:AlternateContent xmlns:mc="http://schemas.openxmlformats.org/markup-compatibility/2006">
+        <mc:Choice xmlns:a14="http://schemas.microsoft.com/office/drawing/2010/main" Requires="a14">
+          <p:sp>
+            <p:nvSpPr>
+              <p:cNvPr id="3" name="Notes Placeholder 2"/>
+              <p:cNvSpPr>
+                <a:spLocks noGrp="1"/>
+              </p:cNvSpPr>
+              <p:nvPr>
+                <p:ph type="body" idx="1"/>
+              </p:nvPr>
+            </p:nvSpPr>
+            <p:spPr/>
+            <p:txBody>
+              <a:bodyPr/>
+              <a:lstStyle/>
+              <a:p>
+                <a:pPr marL="0" indent="0">
+                  <a:buNone/>
+                </a:pPr>
+                <a:r>
+                  <a:rPr lang="en-US"/>
+                  <a:t>What have we accomplished finally?</a:t>
+                </a:r>
+              </a:p>
+              <a:p>
+                <a:r>
+                  <a:rPr lang="en-US"/>
+                  <a:t>With a partial differential equation with derivatives in time and space dimension, we have discretized space and time. </a:t>
+                </a:r>
+              </a:p>
+              <a:p>
+                <a:r>
+                  <a:rPr lang="en-US"/>
+                  <a:t>With the discretization of space we obtained a continuous multi-component model in cellular form with equal derivative functions for the cells. </a:t>
+                </a:r>
+              </a:p>
+              <a:p>
+                <a:r>
+                  <a:rPr lang="en-US"/>
+                  <a:t>With the discretization of space we finally have obtained a cellular automaton with neighborhood </a:t>
+                </a:r>
+                <a14:m>
+                  <m:oMath xmlns:m="http://schemas.openxmlformats.org/officeDocument/2006/math">
+                    <m:r>
+                      <a:rPr lang="en-US" i="1" smtClean="0">
+                        <a:latin typeface="Cambria Math" panose="02040503050406030204" pitchFamily="18" charset="0"/>
+                      </a:rPr>
+                      <m:t>{</m:t>
+                    </m:r>
+                    <m:r>
+                      <a:rPr lang="en-US" i="1" smtClean="0">
+                        <a:latin typeface="Cambria Math" panose="02040503050406030204" pitchFamily="18" charset="0"/>
+                      </a:rPr>
+                      <m:t>𝑗</m:t>
+                    </m:r>
+                    <m:r>
+                      <a:rPr lang="en-US" i="1" smtClean="0">
+                        <a:latin typeface="Cambria Math" panose="02040503050406030204" pitchFamily="18" charset="0"/>
+                      </a:rPr>
+                      <m:t>−1,</m:t>
+                    </m:r>
+                    <m:r>
+                      <a:rPr lang="en-US" i="1" smtClean="0">
+                        <a:latin typeface="Cambria Math" panose="02040503050406030204" pitchFamily="18" charset="0"/>
+                      </a:rPr>
+                      <m:t>𝑗</m:t>
+                    </m:r>
+                    <m:r>
+                      <a:rPr lang="en-US" i="1" smtClean="0">
+                        <a:latin typeface="Cambria Math" panose="02040503050406030204" pitchFamily="18" charset="0"/>
+                      </a:rPr>
+                      <m:t>+1}</m:t>
+                    </m:r>
+                  </m:oMath>
+                </a14:m>
+                <a:r>
+                  <a:rPr lang="en-US"/>
+                  <a:t>, time step </a:t>
+                </a:r>
+                <a14:m>
+                  <m:oMath xmlns:m="http://schemas.openxmlformats.org/officeDocument/2006/math">
+                    <m:r>
+                      <a:rPr lang="en-US" b="0" i="1" smtClean="0">
+                        <a:latin typeface="Cambria Math" panose="02040503050406030204" pitchFamily="18" charset="0"/>
+                      </a:rPr>
+                      <m:t>∆</m:t>
+                    </m:r>
+                    <m:r>
+                      <a:rPr lang="en-US" i="1" smtClean="0">
+                        <a:latin typeface="Cambria Math" panose="02040503050406030204" pitchFamily="18" charset="0"/>
+                      </a:rPr>
+                      <m:t>𝑡</m:t>
+                    </m:r>
+                  </m:oMath>
+                </a14:m>
+                <a:r>
+                  <a:rPr lang="en-US"/>
+                  <a:t>, and equal next state function for cell </a:t>
+                </a:r>
+                <a14:m>
+                  <m:oMath xmlns:m="http://schemas.openxmlformats.org/officeDocument/2006/math">
+                    <m:r>
+                      <a:rPr lang="en-US" i="1" smtClean="0">
+                        <a:latin typeface="Cambria Math" panose="02040503050406030204" pitchFamily="18" charset="0"/>
+                      </a:rPr>
+                      <m:t>𝑗</m:t>
+                    </m:r>
+                  </m:oMath>
+                </a14:m>
+                <a:r>
+                  <a:rPr lang="en-US"/>
+                  <a:t> as before.</a:t>
+                </a:r>
+                <a:endParaRPr lang="id-ID"/>
+              </a:p>
+              <a:p>
+                <a:endParaRPr lang="id-ID"/>
+              </a:p>
+            </p:txBody>
+          </p:sp>
+        </mc:Choice>
+        <mc:Fallback>
+          <p:sp>
+            <p:nvSpPr>
+              <p:cNvPr id="3" name="Notes Placeholder 2"/>
+              <p:cNvSpPr>
+                <a:spLocks noGrp="1"/>
+              </p:cNvSpPr>
+              <p:nvPr>
+                <p:ph type="body" idx="1"/>
+              </p:nvPr>
+            </p:nvSpPr>
+            <p:spPr/>
+            <p:txBody>
+              <a:bodyPr/>
+              <a:lstStyle/>
+              <a:p>
+                <a:pPr marL="0" indent="0">
+                  <a:buNone/>
+                </a:pPr>
+                <a:r>
+                  <a:rPr lang="en-US"/>
+                  <a:t>What have we accomplished finally?</a:t>
+                </a:r>
+              </a:p>
+              <a:p>
+                <a:r>
+                  <a:rPr lang="en-US"/>
+                  <a:t>With a partial differential equation with derivatives in time and space dimension, we have discretized space and time. </a:t>
+                </a:r>
+              </a:p>
+              <a:p>
+                <a:r>
+                  <a:rPr lang="en-US"/>
+                  <a:t>With the discretization of space we obtained a continuous multi-component model in cellular form with equal derivative functions for the cells. </a:t>
+                </a:r>
+              </a:p>
+              <a:p>
+                <a:r>
+                  <a:rPr lang="en-US"/>
+                  <a:t>With the discretization of space we finally have obtained a cellular automaton with neighborhood </a:t>
+                </a:r>
+                <a:r>
+                  <a:rPr lang="en-US" i="0">
+                    <a:latin typeface="Cambria Math" panose="02040503050406030204" pitchFamily="18" charset="0"/>
+                  </a:rPr>
+                  <a:t>{𝑗−1,𝑗+1}</a:t>
+                </a:r>
+                <a:r>
+                  <a:rPr lang="en-US"/>
+                  <a:t>, time step </a:t>
+                </a:r>
+                <a:r>
+                  <a:rPr lang="en-US" b="0" i="0">
+                    <a:latin typeface="Cambria Math" panose="02040503050406030204" pitchFamily="18" charset="0"/>
+                  </a:rPr>
+                  <a:t>∆</a:t>
+                </a:r>
+                <a:r>
+                  <a:rPr lang="en-US" i="0">
+                    <a:latin typeface="Cambria Math" panose="02040503050406030204" pitchFamily="18" charset="0"/>
+                  </a:rPr>
+                  <a:t>𝑡</a:t>
+                </a:r>
+                <a:r>
+                  <a:rPr lang="en-US"/>
+                  <a:t>, and equal next state function for cell </a:t>
+                </a:r>
+                <a:r>
+                  <a:rPr lang="en-US" i="0">
+                    <a:latin typeface="Cambria Math" panose="02040503050406030204" pitchFamily="18" charset="0"/>
+                  </a:rPr>
+                  <a:t>𝑗</a:t>
+                </a:r>
+                <a:r>
+                  <a:rPr lang="en-US"/>
+                  <a:t> as before.</a:t>
+                </a:r>
+                <a:endParaRPr lang="id-ID"/>
+              </a:p>
+              <a:p>
+                <a:endParaRPr lang="id-ID"/>
+              </a:p>
+            </p:txBody>
+          </p:sp>
+        </mc:Fallback>
+      </mc:AlternateContent>
+      <p:sp>
+        <p:nvSpPr>
+          <p:cNvPr id="4" name="Slide Number Placeholder 3"/>
+          <p:cNvSpPr>
+            <a:spLocks noGrp="1"/>
+          </p:cNvSpPr>
+          <p:nvPr>
+            <p:ph type="sldNum" sz="quarter" idx="5"/>
+          </p:nvPr>
+        </p:nvSpPr>
+        <p:spPr/>
+        <p:txBody>
+          <a:bodyPr/>
+          <a:lstStyle/>
+          <a:p>
+            <a:fld id="{75945A03-1ECB-47F9-AF14-7B0BDAC8A608}" type="slidenum">
+              <a:rPr lang="id-ID" smtClean="0"/>
+              <a:t>45</a:t>
+            </a:fld>
+            <a:endParaRPr lang="id-ID"/>
+          </a:p>
+        </p:txBody>
+      </p:sp>
+    </p:spTree>
+    <p:extLst>
+      <p:ext uri="{BB962C8B-B14F-4D97-AF65-F5344CB8AC3E}">
+        <p14:creationId xmlns:p14="http://schemas.microsoft.com/office/powerpoint/2010/main" val="681597473"/>
+      </p:ext>
+    </p:extLst>
+  </p:cSld>
+  <p:clrMapOvr>
+    <a:masterClrMapping/>
+  </p:clrMapOvr>
+</p:notes>
+</file>
+
+<file path=ppt/notesSlides/notesSlide2.xml><?xml version="1.0" encoding="utf-8"?>
+<p:notes xmlns:a="http://schemas.openxmlformats.org/drawingml/2006/main" xmlns:r="http://schemas.openxmlformats.org/officeDocument/2006/relationships" xmlns:p="http://schemas.openxmlformats.org/presentationml/2006/main">
+  <p:cSld>
+    <p:spTree>
+      <p:nvGrpSpPr>
+        <p:cNvPr id="1" name=""/>
+        <p:cNvGrpSpPr/>
+        <p:nvPr/>
+      </p:nvGrpSpPr>
+      <p:grpSpPr>
+        <a:xfrm>
+          <a:off x="0" y="0"/>
+          <a:ext cx="0" cy="0"/>
+          <a:chOff x="0" y="0"/>
+          <a:chExt cx="0" cy="0"/>
+        </a:xfrm>
+      </p:grpSpPr>
+      <p:sp>
+        <p:nvSpPr>
+          <p:cNvPr id="2" name="Slide Image Placeholder 1"/>
+          <p:cNvSpPr>
+            <a:spLocks noGrp="1" noRot="1" noChangeAspect="1"/>
+          </p:cNvSpPr>
+          <p:nvPr>
+            <p:ph type="sldImg"/>
+          </p:nvPr>
+        </p:nvSpPr>
+        <p:spPr/>
+      </p:sp>
+      <p:sp>
+        <p:nvSpPr>
+          <p:cNvPr id="3" name="Notes Placeholder 2"/>
+          <p:cNvSpPr>
+            <a:spLocks noGrp="1"/>
+          </p:cNvSpPr>
+          <p:nvPr>
+            <p:ph type="body" idx="1"/>
+          </p:nvPr>
+        </p:nvSpPr>
+        <p:spPr/>
+        <p:txBody>
+          <a:bodyPr/>
+          <a:lstStyle/>
+          <a:p>
+            <a:r>
+              <a:rPr lang="en-US"/>
+              <a:t>This approach is commonly adopted in differential algebraic equation models (Hairer and Wanner, 1991). However, we can obviate the problem by requiring that no algebraic loops are present. For example, we require that in the cycle of Fig. 7.6 there is at least one component, whose current output can be computed without knowledge of the current input.</a:t>
+            </a:r>
+            <a:endParaRPr lang="id-ID"/>
+          </a:p>
+        </p:txBody>
+      </p:sp>
+      <p:sp>
+        <p:nvSpPr>
+          <p:cNvPr id="4" name="Slide Number Placeholder 3"/>
+          <p:cNvSpPr>
+            <a:spLocks noGrp="1"/>
+          </p:cNvSpPr>
+          <p:nvPr>
+            <p:ph type="sldNum" sz="quarter" idx="5"/>
+          </p:nvPr>
+        </p:nvSpPr>
+        <p:spPr/>
+        <p:txBody>
+          <a:bodyPr/>
+          <a:lstStyle/>
+          <a:p>
+            <a:fld id="{75945A03-1ECB-47F9-AF14-7B0BDAC8A608}" type="slidenum">
+              <a:rPr lang="id-ID" smtClean="0"/>
+              <a:t>5</a:t>
+            </a:fld>
+            <a:endParaRPr lang="id-ID"/>
+          </a:p>
+        </p:txBody>
+      </p:sp>
+    </p:spTree>
+    <p:extLst>
+      <p:ext uri="{BB962C8B-B14F-4D97-AF65-F5344CB8AC3E}">
+        <p14:creationId xmlns:p14="http://schemas.microsoft.com/office/powerpoint/2010/main" val="2843067483"/>
+      </p:ext>
+    </p:extLst>
+  </p:cSld>
+  <p:clrMapOvr>
+    <a:masterClrMapping/>
+  </p:clrMapOvr>
+</p:notes>
+</file>
+
+<file path=ppt/notesSlides/notesSlide20.xml><?xml version="1.0" encoding="utf-8"?>
 <p:notes xmlns:a="http://schemas.openxmlformats.org/drawingml/2006/main" xmlns:r="http://schemas.openxmlformats.org/officeDocument/2006/relationships" xmlns:p="http://schemas.openxmlformats.org/presentationml/2006/main">
   <p:cSld>
     <p:spTree>
@@ -2226,7 +2674,7 @@
 </p:notes>
 </file>
 
-<file path=ppt/notesSlides/notesSlide19.xml><?xml version="1.0" encoding="utf-8"?>
+<file path=ppt/notesSlides/notesSlide21.xml><?xml version="1.0" encoding="utf-8"?>
 <p:notes xmlns:a="http://schemas.openxmlformats.org/drawingml/2006/main" xmlns:r="http://schemas.openxmlformats.org/officeDocument/2006/relationships" xmlns:p="http://schemas.openxmlformats.org/presentationml/2006/main">
   <p:cSld>
     <p:spTree>
@@ -2336,7 +2784,7 @@
 </p:notes>
 </file>
 
-<file path=ppt/notesSlides/notesSlide2.xml><?xml version="1.0" encoding="utf-8"?>
+<file path=ppt/notesSlides/notesSlide22.xml><?xml version="1.0" encoding="utf-8"?>
 <p:notes xmlns:a="http://schemas.openxmlformats.org/drawingml/2006/main" xmlns:r="http://schemas.openxmlformats.org/officeDocument/2006/relationships" xmlns:p="http://schemas.openxmlformats.org/presentationml/2006/main">
   <p:cSld>
     <p:spTree>
@@ -2382,8 +2830,19 @@
           <a:p>
             <a:r>
               <a:rPr lang="en-US"/>
-              <a:t>This approach is commonly adopted in differential algebraic equation models (Hairer and Wanner, 1991). However, we can obviate the problem by requiring that no algebraic loops are present. For example, we require that in the cycle of Fig. 7.6 there is at least one component, whose current output can be computed without knowledge of the current input.</a:t>
+              <a:t>The third edition added new Section 7.7 on multiPDEVS which fills the hole opened with the introduction of Parallel DEVS and its application in a modular but not non-modular way. </a:t>
             </a:r>
+          </a:p>
+          <a:p>
+            <a:r>
+              <a:rPr lang="en-US"/>
+              <a:t>The text summarizes (Foures et al., 2018) article which provides a comprehensive treatment of the introduced formalism addressing points such as well-definition and abstract simulators that are of interest whenever a new formalism is introduced.</a:t>
+            </a:r>
+          </a:p>
+          <a:p>
+            <a:endParaRPr lang="id-ID"/>
+          </a:p>
+          <a:p>
             <a:endParaRPr lang="id-ID"/>
           </a:p>
         </p:txBody>
@@ -2405,7 +2864,7 @@
           <a:p>
             <a:fld id="{75945A03-1ECB-47F9-AF14-7B0BDAC8A608}" type="slidenum">
               <a:rPr lang="id-ID" smtClean="0"/>
-              <a:t>5</a:t>
+              <a:t>62</a:t>
             </a:fld>
             <a:endParaRPr lang="id-ID"/>
           </a:p>
@@ -2414,7 +2873,7 @@
     </p:spTree>
     <p:extLst>
       <p:ext uri="{BB962C8B-B14F-4D97-AF65-F5344CB8AC3E}">
-        <p14:creationId xmlns:p14="http://schemas.microsoft.com/office/powerpoint/2010/main" val="2843067483"/>
+        <p14:creationId xmlns:p14="http://schemas.microsoft.com/office/powerpoint/2010/main" val="1544036261"/>
       </p:ext>
     </p:extLst>
   </p:cSld>
@@ -2453,8 +2912,8 @@
         </p:nvSpPr>
         <p:spPr/>
       </p:sp>
-      <mc:AlternateContent xmlns:mc="http://schemas.openxmlformats.org/markup-compatibility/2006">
-        <mc:Choice xmlns:a14="http://schemas.microsoft.com/office/drawing/2010/main" Requires="a14">
+      <mc:AlternateContent xmlns:mc="http://schemas.openxmlformats.org/markup-compatibility/2006" xmlns:a14="http://schemas.microsoft.com/office/drawing/2010/main">
+        <mc:Choice Requires="a14">
           <p:sp>
             <p:nvSpPr>
               <p:cNvPr id="3" name="Notes Placeholder 2"/>
@@ -3255,7 +3714,7 @@
             </p:txBody>
           </p:sp>
         </mc:Choice>
-        <mc:Fallback>
+        <mc:Fallback xmlns="">
           <p:sp>
             <p:nvSpPr>
               <p:cNvPr id="3" name="Notes Placeholder 2"/>
@@ -3454,8 +3913,8 @@
         </p:nvSpPr>
         <p:spPr/>
       </p:sp>
-      <mc:AlternateContent xmlns:mc="http://schemas.openxmlformats.org/markup-compatibility/2006">
-        <mc:Choice xmlns:a14="http://schemas.microsoft.com/office/drawing/2010/main" Requires="a14">
+      <mc:AlternateContent xmlns:mc="http://schemas.openxmlformats.org/markup-compatibility/2006" xmlns:a14="http://schemas.microsoft.com/office/drawing/2010/main">
+        <mc:Choice Requires="a14">
           <p:sp>
             <p:nvSpPr>
               <p:cNvPr id="3" name="Notes Placeholder 2"/>
@@ -3549,7 +4008,7 @@
             </p:txBody>
           </p:sp>
         </mc:Choice>
-        <mc:Fallback>
+        <mc:Fallback xmlns="">
           <p:sp>
             <p:nvSpPr>
               <p:cNvPr id="3" name="Notes Placeholder 2"/>
@@ -3928,7 +4387,7 @@
           <a:p>
             <a:fld id="{75945A03-1ECB-47F9-AF14-7B0BDAC8A608}" type="slidenum">
               <a:rPr lang="id-ID" smtClean="0"/>
-              <a:t>15</a:t>
+              <a:t>16</a:t>
             </a:fld>
             <a:endParaRPr lang="id-ID"/>
           </a:p>
@@ -4024,7 +4483,7 @@
           <a:p>
             <a:fld id="{75945A03-1ECB-47F9-AF14-7B0BDAC8A608}" type="slidenum">
               <a:rPr lang="id-ID" smtClean="0"/>
-              <a:t>16</a:t>
+              <a:t>17</a:t>
             </a:fld>
             <a:endParaRPr lang="id-ID"/>
           </a:p>
@@ -4120,7 +4579,7 @@
           <a:p>
             <a:fld id="{75945A03-1ECB-47F9-AF14-7B0BDAC8A608}" type="slidenum">
               <a:rPr lang="id-ID" smtClean="0"/>
-              <a:t>17</a:t>
+              <a:t>18</a:t>
             </a:fld>
             <a:endParaRPr lang="id-ID"/>
           </a:p>
@@ -4308,7 +4767,7 @@
           <a:p>
             <a:fld id="{C63F85F5-66BE-46A0-8F24-7DF36E004D58}" type="datetimeFigureOut">
               <a:rPr lang="id-ID" smtClean="0"/>
-              <a:t>12/01/2019</a:t>
+              <a:t>13/01/2019</a:t>
             </a:fld>
             <a:endParaRPr lang="id-ID"/>
           </a:p>
@@ -4638,7 +5097,7 @@
           <a:p>
             <a:fld id="{C63F85F5-66BE-46A0-8F24-7DF36E004D58}" type="datetimeFigureOut">
               <a:rPr lang="id-ID" smtClean="0"/>
-              <a:t>12/01/2019</a:t>
+              <a:t>13/01/2019</a:t>
             </a:fld>
             <a:endParaRPr lang="id-ID"/>
           </a:p>
@@ -4818,7 +5277,7 @@
           <a:p>
             <a:fld id="{C63F85F5-66BE-46A0-8F24-7DF36E004D58}" type="datetimeFigureOut">
               <a:rPr lang="id-ID" smtClean="0"/>
-              <a:t>12/01/2019</a:t>
+              <a:t>13/01/2019</a:t>
             </a:fld>
             <a:endParaRPr lang="id-ID"/>
           </a:p>
@@ -5006,7 +5465,7 @@
           <a:p>
             <a:fld id="{C63F85F5-66BE-46A0-8F24-7DF36E004D58}" type="datetimeFigureOut">
               <a:rPr lang="id-ID" smtClean="0"/>
-              <a:t>12/01/2019</a:t>
+              <a:t>13/01/2019</a:t>
             </a:fld>
             <a:endParaRPr lang="id-ID"/>
           </a:p>
@@ -5157,7 +5616,7 @@
           <a:p>
             <a:fld id="{C63F85F5-66BE-46A0-8F24-7DF36E004D58}" type="datetimeFigureOut">
               <a:rPr lang="id-ID" smtClean="0"/>
-              <a:t>12/01/2019</a:t>
+              <a:t>13/01/2019</a:t>
             </a:fld>
             <a:endParaRPr lang="id-ID"/>
           </a:p>
@@ -5551,7 +6010,7 @@
           <a:p>
             <a:fld id="{C63F85F5-66BE-46A0-8F24-7DF36E004D58}" type="datetimeFigureOut">
               <a:rPr lang="id-ID" smtClean="0"/>
-              <a:t>12/01/2019</a:t>
+              <a:t>13/01/2019</a:t>
             </a:fld>
             <a:endParaRPr lang="id-ID"/>
           </a:p>
@@ -6028,7 +6487,7 @@
           <a:p>
             <a:fld id="{C63F85F5-66BE-46A0-8F24-7DF36E004D58}" type="datetimeFigureOut">
               <a:rPr lang="id-ID" smtClean="0"/>
-              <a:t>12/01/2019</a:t>
+              <a:t>13/01/2019</a:t>
             </a:fld>
             <a:endParaRPr lang="id-ID"/>
           </a:p>
@@ -6146,7 +6605,7 @@
           <a:p>
             <a:fld id="{C63F85F5-66BE-46A0-8F24-7DF36E004D58}" type="datetimeFigureOut">
               <a:rPr lang="id-ID" smtClean="0"/>
-              <a:t>12/01/2019</a:t>
+              <a:t>13/01/2019</a:t>
             </a:fld>
             <a:endParaRPr lang="id-ID"/>
           </a:p>
@@ -6241,7 +6700,7 @@
           <a:p>
             <a:fld id="{C63F85F5-66BE-46A0-8F24-7DF36E004D58}" type="datetimeFigureOut">
               <a:rPr lang="id-ID" smtClean="0"/>
-              <a:t>12/01/2019</a:t>
+              <a:t>13/01/2019</a:t>
             </a:fld>
             <a:endParaRPr lang="id-ID"/>
           </a:p>
@@ -6590,7 +7049,7 @@
           <a:p>
             <a:fld id="{C63F85F5-66BE-46A0-8F24-7DF36E004D58}" type="datetimeFigureOut">
               <a:rPr lang="id-ID" smtClean="0"/>
-              <a:t>12/01/2019</a:t>
+              <a:t>13/01/2019</a:t>
             </a:fld>
             <a:endParaRPr lang="id-ID"/>
           </a:p>
@@ -6981,7 +7440,7 @@
           <a:p>
             <a:fld id="{C63F85F5-66BE-46A0-8F24-7DF36E004D58}" type="datetimeFigureOut">
               <a:rPr lang="id-ID" smtClean="0"/>
-              <a:t>12/01/2019</a:t>
+              <a:t>13/01/2019</a:t>
             </a:fld>
             <a:endParaRPr lang="id-ID"/>
           </a:p>
@@ -7259,7 +7718,7 @@
           <a:p>
             <a:fld id="{C63F85F5-66BE-46A0-8F24-7DF36E004D58}" type="datetimeFigureOut">
               <a:rPr lang="id-ID" smtClean="0"/>
-              <a:t>12/01/2019</a:t>
+              <a:t>13/01/2019</a:t>
             </a:fld>
             <a:endParaRPr lang="id-ID"/>
           </a:p>
@@ -7830,7 +8289,6 @@
               <a:rPr lang="en-US"/>
               <a:t>BASIC FORMALISMS: COUPLED MULTI-COMPONENT SYSTEMS</a:t>
             </a:r>
-            <a:endParaRPr lang="id-ID"/>
           </a:p>
         </p:txBody>
       </p:sp>
@@ -8091,8 +8549,8 @@
           </a:p>
         </p:txBody>
       </p:sp>
-      <mc:AlternateContent xmlns:mc="http://schemas.openxmlformats.org/markup-compatibility/2006">
-        <mc:Choice xmlns:a14="http://schemas.microsoft.com/office/drawing/2010/main" Requires="a14">
+      <mc:AlternateContent xmlns:mc="http://schemas.openxmlformats.org/markup-compatibility/2006" xmlns:a14="http://schemas.microsoft.com/office/drawing/2010/main">
+        <mc:Choice Requires="a14">
           <p:sp>
             <p:nvSpPr>
               <p:cNvPr id="3" name="Content Placeholder 2">
@@ -8398,7 +8856,7 @@
             </p:txBody>
           </p:sp>
         </mc:Choice>
-        <mc:Fallback>
+        <mc:Fallback xmlns="">
           <p:sp>
             <p:nvSpPr>
               <p:cNvPr id="3" name="Content Placeholder 2">
@@ -8508,8 +8966,8 @@
           </a:p>
         </p:txBody>
       </p:sp>
-      <mc:AlternateContent xmlns:mc="http://schemas.openxmlformats.org/markup-compatibility/2006">
-        <mc:Choice xmlns:a14="http://schemas.microsoft.com/office/drawing/2010/main" Requires="a14">
+      <mc:AlternateContent xmlns:mc="http://schemas.openxmlformats.org/markup-compatibility/2006" xmlns:a14="http://schemas.microsoft.com/office/drawing/2010/main">
+        <mc:Choice Requires="a14">
           <p:sp>
             <p:nvSpPr>
               <p:cNvPr id="3" name="Content Placeholder 2">
@@ -9271,7 +9729,7 @@
             </p:txBody>
           </p:sp>
         </mc:Choice>
-        <mc:Fallback>
+        <mc:Fallback xmlns="">
           <p:sp>
             <p:nvSpPr>
               <p:cNvPr id="3" name="Content Placeholder 2">
@@ -9375,7 +9833,114 @@
             </a:br>
             <a:r>
               <a:rPr lang="en-US"/>
-              <a:t>System Formalism</a:t>
+              <a:t>System Formalism (cont.)</a:t>
+            </a:r>
+            <a:endParaRPr lang="id-ID"/>
+          </a:p>
+        </p:txBody>
+      </p:sp>
+      <p:sp>
+        <p:nvSpPr>
+          <p:cNvPr id="3" name="Content Placeholder 2">
+            <a:extLst>
+              <a:ext uri="{FF2B5EF4-FFF2-40B4-BE49-F238E27FC236}">
+                <a16:creationId xmlns:a16="http://schemas.microsoft.com/office/drawing/2014/main" id="{EEEDFB68-BA1B-480B-A3E6-2E5F6AE818E9}"/>
+              </a:ext>
+            </a:extLst>
+          </p:cNvPr>
+          <p:cNvSpPr>
+            <a:spLocks noGrp="1"/>
+          </p:cNvSpPr>
+          <p:nvPr>
+            <p:ph idx="1"/>
+          </p:nvPr>
+        </p:nvSpPr>
+        <p:spPr>
+          <a:xfrm>
+            <a:off x="1371599" y="2286000"/>
+            <a:ext cx="10419347" cy="3581400"/>
+          </a:xfrm>
+        </p:spPr>
+        <p:txBody>
+          <a:bodyPr>
+            <a:noAutofit/>
+          </a:bodyPr>
+          <a:lstStyle/>
+          <a:p>
+            <a:r>
+              <a:rPr lang="en-US"/>
+              <a:t>In a multiDTSS, the set of components jointly generate the dynamics of the system. </a:t>
+            </a:r>
+          </a:p>
+          <a:p>
+            <a:r>
+              <a:rPr lang="en-US"/>
+              <a:t>Each of the components owns its local state set, a local output set and local state transition and output function.</a:t>
+            </a:r>
+          </a:p>
+        </p:txBody>
+      </p:sp>
+    </p:spTree>
+    <p:extLst>
+      <p:ext uri="{BB962C8B-B14F-4D97-AF65-F5344CB8AC3E}">
+        <p14:creationId xmlns:p14="http://schemas.microsoft.com/office/powerpoint/2010/main" val="1138925852"/>
+      </p:ext>
+    </p:extLst>
+  </p:cSld>
+  <p:clrMapOvr>
+    <a:masterClrMapping/>
+  </p:clrMapOvr>
+</p:sld>
+</file>
+
+<file path=ppt/slides/slide15.xml><?xml version="1.0" encoding="utf-8"?>
+<p:sld xmlns:a="http://schemas.openxmlformats.org/drawingml/2006/main" xmlns:r="http://schemas.openxmlformats.org/officeDocument/2006/relationships" xmlns:p="http://schemas.openxmlformats.org/presentationml/2006/main">
+  <p:cSld>
+    <p:spTree>
+      <p:nvGrpSpPr>
+        <p:cNvPr id="1" name=""/>
+        <p:cNvGrpSpPr/>
+        <p:nvPr/>
+      </p:nvGrpSpPr>
+      <p:grpSpPr>
+        <a:xfrm>
+          <a:off x="0" y="0"/>
+          <a:ext cx="0" cy="0"/>
+          <a:chOff x="0" y="0"/>
+          <a:chExt cx="0" cy="0"/>
+        </a:xfrm>
+      </p:grpSpPr>
+      <p:sp>
+        <p:nvSpPr>
+          <p:cNvPr id="2" name="Title 1">
+            <a:extLst>
+              <a:ext uri="{FF2B5EF4-FFF2-40B4-BE49-F238E27FC236}">
+                <a16:creationId xmlns:a16="http://schemas.microsoft.com/office/drawing/2014/main" id="{FCF15928-A8E7-4A56-A41F-83DD5C36CFA2}"/>
+              </a:ext>
+            </a:extLst>
+          </p:cNvPr>
+          <p:cNvSpPr>
+            <a:spLocks noGrp="1"/>
+          </p:cNvSpPr>
+          <p:nvPr>
+            <p:ph type="title"/>
+          </p:nvPr>
+        </p:nvSpPr>
+        <p:spPr/>
+        <p:txBody>
+          <a:bodyPr/>
+          <a:lstStyle/>
+          <a:p>
+            <a:r>
+              <a:rPr lang="en-US"/>
+              <a:t>Multi-Component Discrete Time </a:t>
+            </a:r>
+            <a:br>
+              <a:rPr lang="en-US"/>
+            </a:br>
+            <a:r>
+              <a:rPr lang="en-US"/>
+              <a:t>System Formalism (cont.)</a:t>
             </a:r>
             <a:endParaRPr lang="id-ID"/>
           </a:p>
@@ -9388,7 +9953,7 @@
               <p:cNvPr id="3" name="Content Placeholder 2">
                 <a:extLst>
                   <a:ext uri="{FF2B5EF4-FFF2-40B4-BE49-F238E27FC236}">
-                    <a16:creationId xmlns:a16="http://schemas.microsoft.com/office/drawing/2014/main" id="{EEEDFB68-BA1B-480B-A3E6-2E5F6AE818E9}"/>
+                    <a16:creationId xmlns:a16="http://schemas.microsoft.com/office/drawing/2014/main" id="{F6AC7998-A4AF-4B79-BAD6-23C53F5CD634}"/>
                   </a:ext>
                 </a:extLst>
               </p:cNvPr>
@@ -9399,44 +9964,25 @@
                 <p:ph idx="1"/>
               </p:nvPr>
             </p:nvSpPr>
-            <p:spPr>
-              <a:xfrm>
-                <a:off x="1371599" y="2286000"/>
-                <a:ext cx="10419347" cy="3581400"/>
-              </a:xfrm>
-            </p:spPr>
+            <p:spPr/>
             <p:txBody>
-              <a:bodyPr>
-                <a:noAutofit/>
-              </a:bodyPr>
+              <a:bodyPr/>
               <a:lstStyle/>
               <a:p>
                 <a:r>
-                  <a:rPr lang="en-US" sz="2800"/>
-                  <a:t>In a multiDTSS, the set of components jointly generate the dynamics of the system. </a:t>
-                </a:r>
-              </a:p>
-              <a:p>
-                <a:r>
-                  <a:rPr lang="en-US" sz="2800"/>
-                  <a:t>Each of the components owns its local state set, a local output set and local state transition and output function.</a:t>
-                </a:r>
-              </a:p>
-              <a:p>
-                <a:r>
-                  <a:rPr lang="en-US" sz="2800"/>
+                  <a:rPr lang="en-US"/>
                   <a:t>Based on the state of the influencing components </a:t>
                 </a:r>
                 <a14:m>
                   <m:oMath xmlns:m="http://schemas.openxmlformats.org/officeDocument/2006/math">
                     <m:r>
-                      <a:rPr lang="en-US" sz="2800" i="1" smtClean="0">
+                      <a:rPr lang="en-US" i="1">
                         <a:latin typeface="Cambria Math" panose="02040503050406030204" pitchFamily="18" charset="0"/>
                       </a:rPr>
                       <m:t>𝑖</m:t>
                     </m:r>
                     <m:r>
-                      <a:rPr lang="en-US" sz="2800" i="1" smtClean="0">
+                      <a:rPr lang="en-US" i="1">
                         <a:latin typeface="Cambria Math" panose="02040503050406030204" pitchFamily="18" charset="0"/>
                       </a:rPr>
                       <m:t>∈</m:t>
@@ -9444,14 +9990,14 @@
                     <m:sSub>
                       <m:sSubPr>
                         <m:ctrlPr>
-                          <a:rPr lang="en-US" sz="2800" b="0" i="1" smtClean="0">
+                          <a:rPr lang="en-US" i="1">
                             <a:latin typeface="Cambria Math" panose="02040503050406030204" pitchFamily="18" charset="0"/>
                           </a:rPr>
                         </m:ctrlPr>
                       </m:sSubPr>
                       <m:e>
                         <m:r>
-                          <a:rPr lang="en-US" sz="2800" i="1" smtClean="0">
+                          <a:rPr lang="en-US" i="1">
                             <a:latin typeface="Cambria Math" panose="02040503050406030204" pitchFamily="18" charset="0"/>
                           </a:rPr>
                           <m:t>𝐼</m:t>
@@ -9459,7 +10005,7 @@
                       </m:e>
                       <m:sub>
                         <m:r>
-                          <a:rPr lang="en-US" sz="2800" i="1" smtClean="0">
+                          <a:rPr lang="en-US" i="1">
                             <a:latin typeface="Cambria Math" panose="02040503050406030204" pitchFamily="18" charset="0"/>
                           </a:rPr>
                           <m:t>𝑑</m:t>
@@ -9467,7 +10013,7 @@
                       </m:sub>
                     </m:sSub>
                     <m:r>
-                      <a:rPr lang="en-US" sz="2800" i="1" smtClean="0">
+                      <a:rPr lang="en-US" i="1">
                         <a:latin typeface="Cambria Math" panose="02040503050406030204" pitchFamily="18" charset="0"/>
                       </a:rPr>
                       <m:t> </m:t>
@@ -9475,15 +10021,18 @@
                   </m:oMath>
                 </a14:m>
                 <a:r>
-                  <a:rPr lang="en-US" sz="2800"/>
+                  <a:rPr lang="en-US"/>
                   <a:t>and on the current input value, the component determines its next state and its contribution to the overall output of the system. </a:t>
                 </a:r>
               </a:p>
               <a:p>
                 <a:r>
-                  <a:rPr lang="en-US" sz="2800"/>
+                  <a:rPr lang="en-US"/>
                   <a:t>In this way, the resultant of a multiDTSS is a DTSS that is built from the crossproduct of the components.</a:t>
                 </a:r>
+              </a:p>
+              <a:p>
+                <a:endParaRPr lang="id-ID"/>
               </a:p>
             </p:txBody>
           </p:sp>
@@ -9494,7 +10043,7 @@
               <p:cNvPr id="3" name="Content Placeholder 2">
                 <a:extLst>
                   <a:ext uri="{FF2B5EF4-FFF2-40B4-BE49-F238E27FC236}">
-                    <a16:creationId xmlns:a16="http://schemas.microsoft.com/office/drawing/2014/main" id="{EEEDFB68-BA1B-480B-A3E6-2E5F6AE818E9}"/>
+                    <a16:creationId xmlns:a16="http://schemas.microsoft.com/office/drawing/2014/main" id="{F6AC7998-A4AF-4B79-BAD6-23C53F5CD634}"/>
                   </a:ext>
                 </a:extLst>
               </p:cNvPr>
@@ -9506,14 +10055,10 @@
               </p:nvPr>
             </p:nvSpPr>
             <p:spPr>
-              <a:xfrm>
-                <a:off x="1371599" y="2286000"/>
-                <a:ext cx="10419347" cy="3581400"/>
-              </a:xfrm>
               <a:blipFill>
                 <a:blip r:embed="rId2"/>
                 <a:stretch>
-                  <a:fillRect l="-1053" t="-2381" b="-20918"/>
+                  <a:fillRect l="-1460" t="-2891" r="-2540" b="-2041"/>
                 </a:stretch>
               </a:blipFill>
             </p:spPr>
@@ -9535,7 +10080,7 @@
     </p:spTree>
     <p:extLst>
       <p:ext uri="{BB962C8B-B14F-4D97-AF65-F5344CB8AC3E}">
-        <p14:creationId xmlns:p14="http://schemas.microsoft.com/office/powerpoint/2010/main" val="1138925852"/>
+        <p14:creationId xmlns:p14="http://schemas.microsoft.com/office/powerpoint/2010/main" val="1537976391"/>
       </p:ext>
     </p:extLst>
   </p:cSld>
@@ -9545,7 +10090,7 @@
 </p:sld>
 </file>
 
-<file path=ppt/slides/slide15.xml><?xml version="1.0" encoding="utf-8"?>
+<file path=ppt/slides/slide16.xml><?xml version="1.0" encoding="utf-8"?>
 <p:sld xmlns:a="http://schemas.openxmlformats.org/drawingml/2006/main" xmlns:r="http://schemas.openxmlformats.org/officeDocument/2006/relationships" xmlns:p="http://schemas.openxmlformats.org/presentationml/2006/main">
   <p:cSld>
     <p:spTree>
@@ -9591,8 +10136,8 @@
           </a:p>
         </p:txBody>
       </p:sp>
-      <mc:AlternateContent xmlns:mc="http://schemas.openxmlformats.org/markup-compatibility/2006">
-        <mc:Choice xmlns:a14="http://schemas.microsoft.com/office/drawing/2010/main" Requires="a14">
+      <mc:AlternateContent xmlns:mc="http://schemas.openxmlformats.org/markup-compatibility/2006" xmlns:a14="http://schemas.microsoft.com/office/drawing/2010/main">
+        <mc:Choice Requires="a14">
           <p:sp>
             <p:nvSpPr>
               <p:cNvPr id="3" name="Content Placeholder 2">
@@ -10472,7 +11017,7 @@
             </p:txBody>
           </p:sp>
         </mc:Choice>
-        <mc:Fallback>
+        <mc:Fallback xmlns="">
           <p:sp>
             <p:nvSpPr>
               <p:cNvPr id="3" name="Content Placeholder 2">
@@ -10529,7 +11074,7 @@
 </p:sld>
 </file>
 
-<file path=ppt/slides/slide16.xml><?xml version="1.0" encoding="utf-8"?>
+<file path=ppt/slides/slide17.xml><?xml version="1.0" encoding="utf-8"?>
 <p:sld xmlns:a="http://schemas.openxmlformats.org/drawingml/2006/main" xmlns:r="http://schemas.openxmlformats.org/officeDocument/2006/relationships" xmlns:p="http://schemas.openxmlformats.org/presentationml/2006/main">
   <p:cSld>
     <p:spTree>
@@ -10571,11 +11116,16 @@
               <a:rPr lang="id-ID"/>
               <a:t>SPATIAL DTSS: CELLULAR AUTOMATA</a:t>
             </a:r>
+            <a:r>
+              <a:rPr lang="en-US"/>
+              <a:t> (cont.)</a:t>
+            </a:r>
+            <a:endParaRPr lang="id-ID"/>
           </a:p>
         </p:txBody>
       </p:sp>
-      <mc:AlternateContent xmlns:mc="http://schemas.openxmlformats.org/markup-compatibility/2006">
-        <mc:Choice xmlns:a14="http://schemas.microsoft.com/office/drawing/2010/main" Requires="a14">
+      <mc:AlternateContent xmlns:mc="http://schemas.openxmlformats.org/markup-compatibility/2006" xmlns:a14="http://schemas.microsoft.com/office/drawing/2010/main">
+        <mc:Choice Requires="a14">
           <p:sp>
             <p:nvSpPr>
               <p:cNvPr id="3" name="Content Placeholder 2">
@@ -10944,7 +11494,7 @@
             </p:txBody>
           </p:sp>
         </mc:Choice>
-        <mc:Fallback>
+        <mc:Fallback xmlns="">
           <p:sp>
             <p:nvSpPr>
               <p:cNvPr id="3" name="Content Placeholder 2">
@@ -11001,7 +11551,7 @@
 </p:sld>
 </file>
 
-<file path=ppt/slides/slide17.xml><?xml version="1.0" encoding="utf-8"?>
+<file path=ppt/slides/slide18.xml><?xml version="1.0" encoding="utf-8"?>
 <p:sld xmlns:a="http://schemas.openxmlformats.org/drawingml/2006/main" xmlns:r="http://schemas.openxmlformats.org/officeDocument/2006/relationships" xmlns:p="http://schemas.openxmlformats.org/presentationml/2006/main">
   <p:cSld>
     <p:spTree>
@@ -11043,6 +11593,11 @@
               <a:rPr lang="id-ID"/>
               <a:t>SPATIAL DTSS: CELLULAR AUTOMATA</a:t>
             </a:r>
+            <a:r>
+              <a:rPr lang="en-US"/>
+              <a:t> (cont.)</a:t>
+            </a:r>
+            <a:endParaRPr lang="id-ID"/>
           </a:p>
         </p:txBody>
       </p:sp>
@@ -11066,8 +11621,8 @@
             </p:nvSpPr>
             <p:spPr>
               <a:xfrm>
-                <a:off x="1371600" y="1562100"/>
-                <a:ext cx="10820400" cy="4305300"/>
+                <a:off x="1371600" y="2171700"/>
+                <a:ext cx="10820400" cy="4152900"/>
               </a:xfrm>
             </p:spPr>
             <p:txBody>
@@ -12272,13 +12827,13 @@
             </p:nvSpPr>
             <p:spPr>
               <a:xfrm>
-                <a:off x="1371600" y="1562100"/>
-                <a:ext cx="10820400" cy="4305300"/>
+                <a:off x="1371600" y="2171700"/>
+                <a:ext cx="10820400" cy="4152900"/>
               </a:xfrm>
               <a:blipFill>
                 <a:blip r:embed="rId3"/>
                 <a:stretch>
-                  <a:fillRect l="-1296" t="-2405" b="-5233"/>
+                  <a:fillRect l="-1296" t="-2493" b="-9091"/>
                 </a:stretch>
               </a:blipFill>
             </p:spPr>
@@ -12310,7 +12865,7 @@
 </p:sld>
 </file>
 
-<file path=ppt/slides/slide18.xml><?xml version="1.0" encoding="utf-8"?>
+<file path=ppt/slides/slide19.xml><?xml version="1.0" encoding="utf-8"?>
 <p:sld xmlns:a="http://schemas.openxmlformats.org/drawingml/2006/main" xmlns:r="http://schemas.openxmlformats.org/officeDocument/2006/relationships" xmlns:p="http://schemas.openxmlformats.org/presentationml/2006/main">
   <p:cSld>
     <p:spTree>
@@ -12352,6 +12907,11 @@
               <a:rPr lang="id-ID"/>
               <a:t>SPATIAL DTSS: CELLULAR AUTOMATA</a:t>
             </a:r>
+            <a:r>
+              <a:rPr lang="en-US"/>
+              <a:t> (cont.)</a:t>
+            </a:r>
+            <a:endParaRPr lang="id-ID"/>
           </a:p>
         </p:txBody>
       </p:sp>
@@ -12375,8 +12935,8 @@
             </p:nvSpPr>
             <p:spPr>
               <a:xfrm>
-                <a:off x="1371600" y="1447800"/>
-                <a:ext cx="10420350" cy="4419600"/>
+                <a:off x="1371600" y="2013438"/>
+                <a:ext cx="10420350" cy="3695700"/>
               </a:xfrm>
             </p:spPr>
             <p:txBody>
@@ -13709,16 +14269,7 @@
                                             </a:solidFill>
                                             <a:latin typeface="Cambria Math" panose="02040503050406030204" pitchFamily="18" charset="0"/>
                                           </a:rPr>
-                                          <m:t>&lt;</m:t>
-                                        </m:r>
-                                        <m:r>
-                                          <a:rPr lang="en-US" i="1">
-                                            <a:solidFill>
-                                              <a:schemeClr val="tx1"/>
-                                            </a:solidFill>
-                                            <a:latin typeface="Cambria Math" panose="02040503050406030204" pitchFamily="18" charset="0"/>
-                                          </a:rPr>
-                                          <m:t>2</m:t>
+                                          <m:t>&lt;2</m:t>
                                         </m:r>
                                       </m:e>
                                       <m:e>
@@ -13738,16 +14289,7 @@
                                             </a:solidFill>
                                             <a:latin typeface="Cambria Math" panose="02040503050406030204" pitchFamily="18" charset="0"/>
                                           </a:rPr>
-                                          <m:t>&gt;</m:t>
-                                        </m:r>
-                                        <m:r>
-                                          <a:rPr lang="en-US" i="1">
-                                            <a:solidFill>
-                                              <a:schemeClr val="tx1"/>
-                                            </a:solidFill>
-                                            <a:latin typeface="Cambria Math" panose="02040503050406030204" pitchFamily="18" charset="0"/>
-                                          </a:rPr>
-                                          <m:t>3</m:t>
+                                          <m:t>&gt;3</m:t>
                                         </m:r>
                                       </m:e>
                                     </m:d>
@@ -13818,25 +14360,7 @@
                                         </a:solidFill>
                                         <a:latin typeface="Cambria Math" panose="02040503050406030204" pitchFamily="18" charset="0"/>
                                       </a:rPr>
-                                      <m:t>=</m:t>
-                                    </m:r>
-                                    <m:r>
-                                      <a:rPr lang="en-US" i="1">
-                                        <a:solidFill>
-                                          <a:schemeClr val="tx1"/>
-                                        </a:solidFill>
-                                        <a:latin typeface="Cambria Math" panose="02040503050406030204" pitchFamily="18" charset="0"/>
-                                      </a:rPr>
-                                      <m:t>0</m:t>
-                                    </m:r>
-                                    <m:r>
-                                      <a:rPr lang="en-US" i="1">
-                                        <a:solidFill>
-                                          <a:schemeClr val="tx1"/>
-                                        </a:solidFill>
-                                        <a:latin typeface="Cambria Math" panose="02040503050406030204" pitchFamily="18" charset="0"/>
-                                      </a:rPr>
-                                      <m:t>∧</m:t>
+                                      <m:t>=0∧</m:t>
                                     </m:r>
                                     <m:r>
                                       <a:rPr lang="en-US" i="1">
@@ -13923,25 +14447,7 @@
                                         </a:solidFill>
                                         <a:latin typeface="Cambria Math" panose="02040503050406030204" pitchFamily="18" charset="0"/>
                                       </a:rPr>
-                                      <m:t>=</m:t>
-                                    </m:r>
-                                    <m:r>
-                                      <a:rPr lang="en-US" i="1">
-                                        <a:solidFill>
-                                          <a:schemeClr val="tx1"/>
-                                        </a:solidFill>
-                                        <a:latin typeface="Cambria Math" panose="02040503050406030204" pitchFamily="18" charset="0"/>
-                                      </a:rPr>
-                                      <m:t>0</m:t>
-                                    </m:r>
-                                    <m:r>
-                                      <a:rPr lang="en-US" i="1">
-                                        <a:solidFill>
-                                          <a:schemeClr val="tx1"/>
-                                        </a:solidFill>
-                                        <a:latin typeface="Cambria Math" panose="02040503050406030204" pitchFamily="18" charset="0"/>
-                                      </a:rPr>
-                                      <m:t>∧</m:t>
+                                      <m:t>=0∧</m:t>
                                     </m:r>
                                     <m:r>
                                       <a:rPr lang="en-US" i="1">
@@ -14006,13 +14512,13 @@
             </p:nvSpPr>
             <p:spPr>
               <a:xfrm>
-                <a:off x="1371600" y="1447800"/>
-                <a:ext cx="10420350" cy="4419600"/>
+                <a:off x="1371600" y="2013438"/>
+                <a:ext cx="10420350" cy="3695700"/>
               </a:xfrm>
               <a:blipFill>
                 <a:blip r:embed="rId3"/>
                 <a:stretch>
-                  <a:fillRect l="-1346" t="-2345" b="-8414"/>
+                  <a:fillRect l="-1346" t="-2801" b="-29654"/>
                 </a:stretch>
               </a:blipFill>
             </p:spPr>
@@ -14035,113 +14541,6 @@
     <p:extLst>
       <p:ext uri="{BB962C8B-B14F-4D97-AF65-F5344CB8AC3E}">
         <p14:creationId xmlns:p14="http://schemas.microsoft.com/office/powerpoint/2010/main" val="3654035715"/>
-      </p:ext>
-    </p:extLst>
-  </p:cSld>
-  <p:clrMapOvr>
-    <a:masterClrMapping/>
-  </p:clrMapOvr>
-</p:sld>
-</file>
-
-<file path=ppt/slides/slide19.xml><?xml version="1.0" encoding="utf-8"?>
-<p:sld xmlns:a="http://schemas.openxmlformats.org/drawingml/2006/main" xmlns:r="http://schemas.openxmlformats.org/officeDocument/2006/relationships" xmlns:p="http://schemas.openxmlformats.org/presentationml/2006/main">
-  <p:cSld>
-    <p:spTree>
-      <p:nvGrpSpPr>
-        <p:cNvPr id="1" name=""/>
-        <p:cNvGrpSpPr/>
-        <p:nvPr/>
-      </p:nvGrpSpPr>
-      <p:grpSpPr>
-        <a:xfrm>
-          <a:off x="0" y="0"/>
-          <a:ext cx="0" cy="0"/>
-          <a:chOff x="0" y="0"/>
-          <a:chExt cx="0" cy="0"/>
-        </a:xfrm>
-      </p:grpSpPr>
-      <p:sp>
-        <p:nvSpPr>
-          <p:cNvPr id="2" name="Title 1">
-            <a:extLst>
-              <a:ext uri="{FF2B5EF4-FFF2-40B4-BE49-F238E27FC236}">
-                <a16:creationId xmlns:a16="http://schemas.microsoft.com/office/drawing/2014/main" id="{337A179C-4B18-49E1-8644-1A261FE3EDA3}"/>
-              </a:ext>
-            </a:extLst>
-          </p:cNvPr>
-          <p:cNvSpPr>
-            <a:spLocks noGrp="1"/>
-          </p:cNvSpPr>
-          <p:nvPr>
-            <p:ph type="title"/>
-          </p:nvPr>
-        </p:nvSpPr>
-        <p:spPr/>
-        <p:txBody>
-          <a:bodyPr/>
-          <a:lstStyle/>
-          <a:p>
-            <a:r>
-              <a:rPr lang="id-ID"/>
-              <a:t>SPATIAL DTSS: CELLULAR AUTOMATA</a:t>
-            </a:r>
-          </a:p>
-        </p:txBody>
-      </p:sp>
-      <p:sp>
-        <p:nvSpPr>
-          <p:cNvPr id="3" name="Content Placeholder 2">
-            <a:extLst>
-              <a:ext uri="{FF2B5EF4-FFF2-40B4-BE49-F238E27FC236}">
-                <a16:creationId xmlns:a16="http://schemas.microsoft.com/office/drawing/2014/main" id="{BC05BC0A-BCFC-451B-B612-9802B307E1F7}"/>
-              </a:ext>
-            </a:extLst>
-          </p:cNvPr>
-          <p:cNvSpPr>
-            <a:spLocks noGrp="1"/>
-          </p:cNvSpPr>
-          <p:nvPr>
-            <p:ph idx="1"/>
-          </p:nvPr>
-        </p:nvSpPr>
-        <p:spPr>
-          <a:xfrm>
-            <a:off x="1371600" y="2286000"/>
-            <a:ext cx="9601200" cy="3581400"/>
-          </a:xfrm>
-        </p:spPr>
-        <p:txBody>
-          <a:bodyPr>
-            <a:noAutofit/>
-          </a:bodyPr>
-          <a:lstStyle/>
-          <a:p>
-            <a:r>
-              <a:rPr lang="en-US" sz="3200">
-                <a:solidFill>
-                  <a:schemeClr val="tx1"/>
-                </a:solidFill>
-              </a:rPr>
-              <a:t>In general, any cellular automaton has a multi-dimensional geometrical grid structure which is formalized as an Abelian group. </a:t>
-            </a:r>
-          </a:p>
-          <a:p>
-            <a:r>
-              <a:rPr lang="en-US" sz="3200">
-                <a:solidFill>
-                  <a:schemeClr val="tx1"/>
-                </a:solidFill>
-              </a:rPr>
-              <a:t>A neighborhood template is specified as a subset of the group and defines the influencers of the cell at the origin, or zero element, of the group. </a:t>
-            </a:r>
-          </a:p>
-        </p:txBody>
-      </p:sp>
-    </p:spTree>
-    <p:extLst>
-      <p:ext uri="{BB962C8B-B14F-4D97-AF65-F5344CB8AC3E}">
-        <p14:creationId xmlns:p14="http://schemas.microsoft.com/office/powerpoint/2010/main" val="1692820807"/>
       </p:ext>
     </p:extLst>
   </p:cSld>
@@ -14273,6 +14672,123 @@
               <a:rPr lang="id-ID"/>
               <a:t>SPATIAL DTSS: CELLULAR AUTOMATA</a:t>
             </a:r>
+            <a:r>
+              <a:rPr lang="en-US"/>
+              <a:t> (cont.)</a:t>
+            </a:r>
+            <a:endParaRPr lang="id-ID"/>
+          </a:p>
+        </p:txBody>
+      </p:sp>
+      <p:sp>
+        <p:nvSpPr>
+          <p:cNvPr id="3" name="Content Placeholder 2">
+            <a:extLst>
+              <a:ext uri="{FF2B5EF4-FFF2-40B4-BE49-F238E27FC236}">
+                <a16:creationId xmlns:a16="http://schemas.microsoft.com/office/drawing/2014/main" id="{BC05BC0A-BCFC-451B-B612-9802B307E1F7}"/>
+              </a:ext>
+            </a:extLst>
+          </p:cNvPr>
+          <p:cNvSpPr>
+            <a:spLocks noGrp="1"/>
+          </p:cNvSpPr>
+          <p:nvPr>
+            <p:ph idx="1"/>
+          </p:nvPr>
+        </p:nvSpPr>
+        <p:spPr>
+          <a:xfrm>
+            <a:off x="1371600" y="2286000"/>
+            <a:ext cx="9601200" cy="3581400"/>
+          </a:xfrm>
+        </p:spPr>
+        <p:txBody>
+          <a:bodyPr>
+            <a:noAutofit/>
+          </a:bodyPr>
+          <a:lstStyle/>
+          <a:p>
+            <a:r>
+              <a:rPr lang="en-US" sz="3200">
+                <a:solidFill>
+                  <a:schemeClr val="tx1"/>
+                </a:solidFill>
+              </a:rPr>
+              <a:t>In general, any cellular automaton has a multi-dimensional geometrical grid structure which is formalized as an Abelian group. </a:t>
+            </a:r>
+          </a:p>
+          <a:p>
+            <a:r>
+              <a:rPr lang="en-US" sz="3200">
+                <a:solidFill>
+                  <a:schemeClr val="tx1"/>
+                </a:solidFill>
+              </a:rPr>
+              <a:t>A neighborhood template is specified as a subset of the group and defines the influencers of the cell at the origin, or zero element, of the group. </a:t>
+            </a:r>
+          </a:p>
+        </p:txBody>
+      </p:sp>
+    </p:spTree>
+    <p:extLst>
+      <p:ext uri="{BB962C8B-B14F-4D97-AF65-F5344CB8AC3E}">
+        <p14:creationId xmlns:p14="http://schemas.microsoft.com/office/powerpoint/2010/main" val="1692820807"/>
+      </p:ext>
+    </p:extLst>
+  </p:cSld>
+  <p:clrMapOvr>
+    <a:masterClrMapping/>
+  </p:clrMapOvr>
+</p:sld>
+</file>
+
+<file path=ppt/slides/slide21.xml><?xml version="1.0" encoding="utf-8"?>
+<p:sld xmlns:a="http://schemas.openxmlformats.org/drawingml/2006/main" xmlns:r="http://schemas.openxmlformats.org/officeDocument/2006/relationships" xmlns:p="http://schemas.openxmlformats.org/presentationml/2006/main">
+  <p:cSld>
+    <p:spTree>
+      <p:nvGrpSpPr>
+        <p:cNvPr id="1" name=""/>
+        <p:cNvGrpSpPr/>
+        <p:nvPr/>
+      </p:nvGrpSpPr>
+      <p:grpSpPr>
+        <a:xfrm>
+          <a:off x="0" y="0"/>
+          <a:ext cx="0" cy="0"/>
+          <a:chOff x="0" y="0"/>
+          <a:chExt cx="0" cy="0"/>
+        </a:xfrm>
+      </p:grpSpPr>
+      <p:sp>
+        <p:nvSpPr>
+          <p:cNvPr id="2" name="Title 1">
+            <a:extLst>
+              <a:ext uri="{FF2B5EF4-FFF2-40B4-BE49-F238E27FC236}">
+                <a16:creationId xmlns:a16="http://schemas.microsoft.com/office/drawing/2014/main" id="{337A179C-4B18-49E1-8644-1A261FE3EDA3}"/>
+              </a:ext>
+            </a:extLst>
+          </p:cNvPr>
+          <p:cNvSpPr>
+            <a:spLocks noGrp="1"/>
+          </p:cNvSpPr>
+          <p:nvPr>
+            <p:ph type="title"/>
+          </p:nvPr>
+        </p:nvSpPr>
+        <p:spPr/>
+        <p:txBody>
+          <a:bodyPr/>
+          <a:lstStyle/>
+          <a:p>
+            <a:r>
+              <a:rPr lang="id-ID"/>
+              <a:t>SPATIAL DTSS: CELLULAR AUTOMATA</a:t>
+            </a:r>
+            <a:r>
+              <a:rPr lang="en-US"/>
+              <a:t> (cont.)</a:t>
+            </a:r>
+            <a:endParaRPr lang="id-ID"/>
           </a:p>
         </p:txBody>
       </p:sp>
@@ -14338,7 +14854,7 @@
 </p:sld>
 </file>
 
-<file path=ppt/slides/slide21.xml><?xml version="1.0" encoding="utf-8"?>
+<file path=ppt/slides/slide22.xml><?xml version="1.0" encoding="utf-8"?>
 <p:sld xmlns:a="http://schemas.openxmlformats.org/drawingml/2006/main" xmlns:r="http://schemas.openxmlformats.org/officeDocument/2006/relationships" xmlns:p="http://schemas.openxmlformats.org/presentationml/2006/main">
   <p:cSld>
     <p:spTree>
@@ -14417,7 +14933,7 @@
 </p:sld>
 </file>
 
-<file path=ppt/slides/slide22.xml><?xml version="1.0" encoding="utf-8"?>
+<file path=ppt/slides/slide23.xml><?xml version="1.0" encoding="utf-8"?>
 <p:sld xmlns:a="http://schemas.openxmlformats.org/drawingml/2006/main" xmlns:r="http://schemas.openxmlformats.org/officeDocument/2006/relationships" xmlns:p="http://schemas.openxmlformats.org/presentationml/2006/main">
   <p:cSld>
     <p:spTree>
@@ -14519,7 +15035,7 @@
 </p:sld>
 </file>
 
-<file path=ppt/slides/slide23.xml><?xml version="1.0" encoding="utf-8"?>
+<file path=ppt/slides/slide24.xml><?xml version="1.0" encoding="utf-8"?>
 <p:sld xmlns:a="http://schemas.openxmlformats.org/drawingml/2006/main" xmlns:r="http://schemas.openxmlformats.org/officeDocument/2006/relationships" xmlns:p="http://schemas.openxmlformats.org/presentationml/2006/main">
   <p:cSld>
     <p:spTree>
@@ -14561,7 +15077,7 @@
           <a:p>
             <a:r>
               <a:rPr lang="en-US"/>
-              <a:t>DIFFERENTIAL EQUATION SPECIFIED NETWORK FORMALISM</a:t>
+              <a:t>DIFFERENTIAL EQUATION SPECIFIED NETWORK FORMALISM (cont.)</a:t>
             </a:r>
             <a:endParaRPr lang="id-ID"/>
           </a:p>
@@ -14617,7 +15133,7 @@
 </p:sld>
 </file>
 
-<file path=ppt/slides/slide24.xml><?xml version="1.0" encoding="utf-8"?>
+<file path=ppt/slides/slide25.xml><?xml version="1.0" encoding="utf-8"?>
 <p:sld xmlns:a="http://schemas.openxmlformats.org/drawingml/2006/main" xmlns:r="http://schemas.openxmlformats.org/officeDocument/2006/relationships" xmlns:p="http://schemas.openxmlformats.org/presentationml/2006/main">
   <p:cSld>
     <p:spTree>
@@ -14657,14 +15173,14 @@
           <a:p>
             <a:r>
               <a:rPr lang="en-US"/>
-              <a:t>DIFFERENTIAL EQUATION SPECIFIED NETWORK FORMALISM</a:t>
+              <a:t>DIFFERENTIAL EQUATION SPECIFIED NETWORK FORMALISM (cont.)</a:t>
             </a:r>
             <a:endParaRPr lang="id-ID"/>
           </a:p>
         </p:txBody>
       </p:sp>
-      <mc:AlternateContent xmlns:mc="http://schemas.openxmlformats.org/markup-compatibility/2006">
-        <mc:Choice xmlns:a14="http://schemas.microsoft.com/office/drawing/2010/main" Requires="a14">
+      <mc:AlternateContent xmlns:mc="http://schemas.openxmlformats.org/markup-compatibility/2006" xmlns:a14="http://schemas.microsoft.com/office/drawing/2010/main">
+        <mc:Choice Requires="a14">
           <p:sp>
             <p:nvSpPr>
               <p:cNvPr id="3" name="Content Placeholder 2">
@@ -14942,7 +15458,7 @@
             </p:txBody>
           </p:sp>
         </mc:Choice>
-        <mc:Fallback>
+        <mc:Fallback xmlns="">
           <p:sp>
             <p:nvSpPr>
               <p:cNvPr id="3" name="Content Placeholder 2">
@@ -14995,7 +15511,7 @@
 </p:sld>
 </file>
 
-<file path=ppt/slides/slide25.xml><?xml version="1.0" encoding="utf-8"?>
+<file path=ppt/slides/slide26.xml><?xml version="1.0" encoding="utf-8"?>
 <p:sld xmlns:a="http://schemas.openxmlformats.org/drawingml/2006/main" xmlns:r="http://schemas.openxmlformats.org/officeDocument/2006/relationships" xmlns:p="http://schemas.openxmlformats.org/presentationml/2006/main">
   <p:cSld>
     <p:spTree>
@@ -15041,8 +15557,8 @@
           </a:p>
         </p:txBody>
       </p:sp>
-      <mc:AlternateContent xmlns:mc="http://schemas.openxmlformats.org/markup-compatibility/2006">
-        <mc:Choice xmlns:a14="http://schemas.microsoft.com/office/drawing/2010/main" Requires="a14">
+      <mc:AlternateContent xmlns:mc="http://schemas.openxmlformats.org/markup-compatibility/2006" xmlns:a14="http://schemas.microsoft.com/office/drawing/2010/main">
+        <mc:Choice Requires="a14">
           <p:sp>
             <p:nvSpPr>
               <p:cNvPr id="3" name="Content Placeholder 2">
@@ -15497,7 +16013,7 @@
             </p:txBody>
           </p:sp>
         </mc:Choice>
-        <mc:Fallback>
+        <mc:Fallback xmlns="">
           <p:sp>
             <p:nvSpPr>
               <p:cNvPr id="3" name="Content Placeholder 2">
@@ -15550,7 +16066,7 @@
 </p:sld>
 </file>
 
-<file path=ppt/slides/slide26.xml><?xml version="1.0" encoding="utf-8"?>
+<file path=ppt/slides/slide27.xml><?xml version="1.0" encoding="utf-8"?>
 <p:sld xmlns:a="http://schemas.openxmlformats.org/drawingml/2006/main" xmlns:r="http://schemas.openxmlformats.org/officeDocument/2006/relationships" xmlns:p="http://schemas.openxmlformats.org/presentationml/2006/main">
   <p:cSld>
     <p:spTree>
@@ -15590,14 +16106,14 @@
           <a:p>
             <a:r>
               <a:rPr lang="en-US"/>
-              <a:t>CLOSURE UNDER COUPLING OF DESS</a:t>
+              <a:t>CLOSURE UNDER COUPLING OF DESS (cont.)</a:t>
             </a:r>
             <a:endParaRPr lang="id-ID"/>
           </a:p>
         </p:txBody>
       </p:sp>
-      <mc:AlternateContent xmlns:mc="http://schemas.openxmlformats.org/markup-compatibility/2006">
-        <mc:Choice xmlns:a14="http://schemas.microsoft.com/office/drawing/2010/main" Requires="a14">
+      <mc:AlternateContent xmlns:mc="http://schemas.openxmlformats.org/markup-compatibility/2006" xmlns:a14="http://schemas.microsoft.com/office/drawing/2010/main">
+        <mc:Choice Requires="a14">
           <p:sp>
             <p:nvSpPr>
               <p:cNvPr id="3" name="Content Placeholder 2">
@@ -16927,7 +17443,7 @@
             </p:txBody>
           </p:sp>
         </mc:Choice>
-        <mc:Fallback>
+        <mc:Fallback xmlns="">
           <p:sp>
             <p:nvSpPr>
               <p:cNvPr id="3" name="Content Placeholder 2">
@@ -16984,7 +17500,7 @@
 </p:sld>
 </file>
 
-<file path=ppt/slides/slide27.xml><?xml version="1.0" encoding="utf-8"?>
+<file path=ppt/slides/slide28.xml><?xml version="1.0" encoding="utf-8"?>
 <p:sld xmlns:a="http://schemas.openxmlformats.org/drawingml/2006/main" xmlns:r="http://schemas.openxmlformats.org/officeDocument/2006/relationships" xmlns:p="http://schemas.openxmlformats.org/presentationml/2006/main">
   <p:cSld>
     <p:spTree>
@@ -17024,14 +17540,14 @@
           <a:p>
             <a:r>
               <a:rPr lang="en-US"/>
-              <a:t>CLOSURE UNDER COUPLING OF DESS</a:t>
+              <a:t>CLOSURE UNDER COUPLING OF DESS (cont.)</a:t>
             </a:r>
             <a:endParaRPr lang="id-ID"/>
           </a:p>
         </p:txBody>
       </p:sp>
-      <mc:AlternateContent xmlns:mc="http://schemas.openxmlformats.org/markup-compatibility/2006">
-        <mc:Choice xmlns:a14="http://schemas.microsoft.com/office/drawing/2010/main" Requires="a14">
+      <mc:AlternateContent xmlns:mc="http://schemas.openxmlformats.org/markup-compatibility/2006" xmlns:a14="http://schemas.microsoft.com/office/drawing/2010/main">
+        <mc:Choice Requires="a14">
           <p:sp>
             <p:nvSpPr>
               <p:cNvPr id="3" name="Content Placeholder 2">
@@ -17295,7 +17811,7 @@
             </p:txBody>
           </p:sp>
         </mc:Choice>
-        <mc:Fallback>
+        <mc:Fallback xmlns="">
           <p:sp>
             <p:nvSpPr>
               <p:cNvPr id="3" name="Content Placeholder 2">
@@ -17348,7 +17864,7 @@
 </p:sld>
 </file>
 
-<file path=ppt/slides/slide28.xml><?xml version="1.0" encoding="utf-8"?>
+<file path=ppt/slides/slide29.xml><?xml version="1.0" encoding="utf-8"?>
 <p:sld xmlns:a="http://schemas.openxmlformats.org/drawingml/2006/main" xmlns:r="http://schemas.openxmlformats.org/officeDocument/2006/relationships" xmlns:p="http://schemas.openxmlformats.org/presentationml/2006/main">
   <p:cSld>
     <p:spTree>
@@ -17388,14 +17904,14 @@
           <a:p>
             <a:r>
               <a:rPr lang="en-US"/>
-              <a:t>CLOSURE UNDER COUPLING OF DESS</a:t>
+              <a:t>CLOSURE UNDER COUPLING OF DESS (cont.)</a:t>
             </a:r>
             <a:endParaRPr lang="id-ID"/>
           </a:p>
         </p:txBody>
       </p:sp>
-      <mc:AlternateContent xmlns:mc="http://schemas.openxmlformats.org/markup-compatibility/2006">
-        <mc:Choice xmlns:a14="http://schemas.microsoft.com/office/drawing/2010/main" Requires="a14">
+      <mc:AlternateContent xmlns:mc="http://schemas.openxmlformats.org/markup-compatibility/2006" xmlns:a14="http://schemas.microsoft.com/office/drawing/2010/main">
+        <mc:Choice Requires="a14">
           <p:sp>
             <p:nvSpPr>
               <p:cNvPr id="3" name="Content Placeholder 2">
@@ -17480,7 +17996,7 @@
             </p:txBody>
           </p:sp>
         </mc:Choice>
-        <mc:Fallback>
+        <mc:Fallback xmlns="">
           <p:sp>
             <p:nvSpPr>
               <p:cNvPr id="3" name="Content Placeholder 2">
@@ -17524,89 +18040,6 @@
     <p:extLst>
       <p:ext uri="{BB962C8B-B14F-4D97-AF65-F5344CB8AC3E}">
         <p14:creationId xmlns:p14="http://schemas.microsoft.com/office/powerpoint/2010/main" val="517787905"/>
-      </p:ext>
-    </p:extLst>
-  </p:cSld>
-  <p:clrMapOvr>
-    <a:masterClrMapping/>
-  </p:clrMapOvr>
-</p:sld>
-</file>
-
-<file path=ppt/slides/slide29.xml><?xml version="1.0" encoding="utf-8"?>
-<p:sld xmlns:a="http://schemas.openxmlformats.org/drawingml/2006/main" xmlns:r="http://schemas.openxmlformats.org/officeDocument/2006/relationships" xmlns:p="http://schemas.openxmlformats.org/presentationml/2006/main">
-  <p:cSld>
-    <p:spTree>
-      <p:nvGrpSpPr>
-        <p:cNvPr id="1" name=""/>
-        <p:cNvGrpSpPr/>
-        <p:nvPr/>
-      </p:nvGrpSpPr>
-      <p:grpSpPr>
-        <a:xfrm>
-          <a:off x="0" y="0"/>
-          <a:ext cx="0" cy="0"/>
-          <a:chOff x="0" y="0"/>
-          <a:chExt cx="0" cy="0"/>
-        </a:xfrm>
-      </p:grpSpPr>
-      <p:sp>
-        <p:nvSpPr>
-          <p:cNvPr id="2" name="Title 1">
-            <a:extLst>
-              <a:ext uri="{FF2B5EF4-FFF2-40B4-BE49-F238E27FC236}">
-                <a16:creationId xmlns:a16="http://schemas.microsoft.com/office/drawing/2014/main" id="{D3E7DC1E-759D-4169-9D6C-84EED80001DF}"/>
-              </a:ext>
-            </a:extLst>
-          </p:cNvPr>
-          <p:cNvSpPr>
-            <a:spLocks noGrp="1"/>
-          </p:cNvSpPr>
-          <p:nvPr>
-            <p:ph type="title"/>
-          </p:nvPr>
-        </p:nvSpPr>
-        <p:spPr/>
-        <p:txBody>
-          <a:bodyPr>
-            <a:normAutofit fontScale="90000"/>
-          </a:bodyPr>
-          <a:lstStyle/>
-          <a:p>
-            <a:r>
-              <a:rPr lang="en-US"/>
-              <a:t>7.6</a:t>
-            </a:r>
-            <a:br>
-              <a:rPr lang="en-US"/>
-            </a:br>
-            <a:r>
-              <a:rPr lang="id-ID"/>
-              <a:t>Multi-Component </a:t>
-            </a:r>
-            <a:br>
-              <a:rPr lang="en-US"/>
-            </a:br>
-            <a:r>
-              <a:rPr lang="id-ID"/>
-              <a:t>Parallel Discrete</a:t>
-            </a:r>
-            <a:r>
-              <a:rPr lang="en-US"/>
-              <a:t> </a:t>
-            </a:r>
-            <a:r>
-              <a:rPr lang="id-ID"/>
-              <a:t>Event System Formalism</a:t>
-            </a:r>
-            <a:endParaRPr lang="en-US"/>
-          </a:p>
-        </p:txBody>
-      </p:sp>
-    </p:spTree>
-    <p:extLst>
-      <p:ext uri="{BB962C8B-B14F-4D97-AF65-F5344CB8AC3E}">
-        <p14:creationId xmlns:p14="http://schemas.microsoft.com/office/powerpoint/2010/main" val="155306178"/>
       </p:ext>
     </p:extLst>
   </p:cSld>
@@ -17725,6 +18158,89 @@
           <p:cNvPr id="2" name="Title 1">
             <a:extLst>
               <a:ext uri="{FF2B5EF4-FFF2-40B4-BE49-F238E27FC236}">
+                <a16:creationId xmlns:a16="http://schemas.microsoft.com/office/drawing/2014/main" id="{D3E7DC1E-759D-4169-9D6C-84EED80001DF}"/>
+              </a:ext>
+            </a:extLst>
+          </p:cNvPr>
+          <p:cNvSpPr>
+            <a:spLocks noGrp="1"/>
+          </p:cNvSpPr>
+          <p:nvPr>
+            <p:ph type="title"/>
+          </p:nvPr>
+        </p:nvSpPr>
+        <p:spPr/>
+        <p:txBody>
+          <a:bodyPr>
+            <a:normAutofit fontScale="90000"/>
+          </a:bodyPr>
+          <a:lstStyle/>
+          <a:p>
+            <a:r>
+              <a:rPr lang="en-US"/>
+              <a:t>7.6</a:t>
+            </a:r>
+            <a:br>
+              <a:rPr lang="en-US"/>
+            </a:br>
+            <a:r>
+              <a:rPr lang="id-ID"/>
+              <a:t>Multi-Component </a:t>
+            </a:r>
+            <a:br>
+              <a:rPr lang="en-US"/>
+            </a:br>
+            <a:r>
+              <a:rPr lang="id-ID"/>
+              <a:t>Parallel Discrete</a:t>
+            </a:r>
+            <a:r>
+              <a:rPr lang="en-US"/>
+              <a:t> </a:t>
+            </a:r>
+            <a:r>
+              <a:rPr lang="id-ID"/>
+              <a:t>Event System Formalism</a:t>
+            </a:r>
+            <a:endParaRPr lang="en-US"/>
+          </a:p>
+        </p:txBody>
+      </p:sp>
+    </p:spTree>
+    <p:extLst>
+      <p:ext uri="{BB962C8B-B14F-4D97-AF65-F5344CB8AC3E}">
+        <p14:creationId xmlns:p14="http://schemas.microsoft.com/office/powerpoint/2010/main" val="155306178"/>
+      </p:ext>
+    </p:extLst>
+  </p:cSld>
+  <p:clrMapOvr>
+    <a:masterClrMapping/>
+  </p:clrMapOvr>
+</p:sld>
+</file>
+
+<file path=ppt/slides/slide31.xml><?xml version="1.0" encoding="utf-8"?>
+<p:sld xmlns:a="http://schemas.openxmlformats.org/drawingml/2006/main" xmlns:r="http://schemas.openxmlformats.org/officeDocument/2006/relationships" xmlns:p="http://schemas.openxmlformats.org/presentationml/2006/main">
+  <p:cSld>
+    <p:spTree>
+      <p:nvGrpSpPr>
+        <p:cNvPr id="1" name=""/>
+        <p:cNvGrpSpPr/>
+        <p:nvPr/>
+      </p:nvGrpSpPr>
+      <p:grpSpPr>
+        <a:xfrm>
+          <a:off x="0" y="0"/>
+          <a:ext cx="0" cy="0"/>
+          <a:chOff x="0" y="0"/>
+          <a:chExt cx="0" cy="0"/>
+        </a:xfrm>
+      </p:grpSpPr>
+      <p:sp>
+        <p:nvSpPr>
+          <p:cNvPr id="2" name="Title 1">
+            <a:extLst>
+              <a:ext uri="{FF2B5EF4-FFF2-40B4-BE49-F238E27FC236}">
                 <a16:creationId xmlns:a16="http://schemas.microsoft.com/office/drawing/2014/main" id="{56BB7CB6-02E0-468E-9377-BE4462D65128}"/>
               </a:ext>
             </a:extLst>
@@ -17806,7 +18322,7 @@
 </p:sld>
 </file>
 
-<file path=ppt/slides/slide31.xml><?xml version="1.0" encoding="utf-8"?>
+<file path=ppt/slides/slide32.xml><?xml version="1.0" encoding="utf-8"?>
 <p:sld xmlns:a="http://schemas.openxmlformats.org/drawingml/2006/main" xmlns:r="http://schemas.openxmlformats.org/officeDocument/2006/relationships" xmlns:p="http://schemas.openxmlformats.org/presentationml/2006/main">
   <p:cSld>
     <p:spTree>
@@ -17853,14 +18369,14 @@
           <a:p>
             <a:r>
               <a:rPr lang="en-US"/>
-              <a:t>MULTI-COMPONENT DIFFERENTIAL EQUATIONS SPECIFIED SYSTEM FORMALISM</a:t>
+              <a:t>MULTI-COMPONENT DIFFERENTIAL EQUATIONS SPECIFIED SYSTEM FORMALISM (cont.)</a:t>
             </a:r>
             <a:endParaRPr lang="id-ID"/>
           </a:p>
         </p:txBody>
       </p:sp>
-      <mc:AlternateContent xmlns:mc="http://schemas.openxmlformats.org/markup-compatibility/2006">
-        <mc:Choice xmlns:a14="http://schemas.microsoft.com/office/drawing/2010/main" Requires="a14">
+      <mc:AlternateContent xmlns:mc="http://schemas.openxmlformats.org/markup-compatibility/2006" xmlns:a14="http://schemas.microsoft.com/office/drawing/2010/main">
+        <mc:Choice Requires="a14">
           <p:sp>
             <p:nvSpPr>
               <p:cNvPr id="3" name="Content Placeholder 2">
@@ -18065,7 +18581,7 @@
             </p:txBody>
           </p:sp>
         </mc:Choice>
-        <mc:Fallback>
+        <mc:Fallback xmlns="">
           <p:sp>
             <p:nvSpPr>
               <p:cNvPr id="3" name="Content Placeholder 2">
@@ -18084,7 +18600,7 @@
             </p:nvSpPr>
             <p:spPr>
               <a:blipFill>
-                <a:blip r:embed="rId2"/>
+                <a:blip r:embed="rId3"/>
                 <a:stretch>
                   <a:fillRect l="-1460" t="-2891"/>
                 </a:stretch>
@@ -18118,7 +18634,7 @@
 </p:sld>
 </file>
 
-<file path=ppt/slides/slide32.xml><?xml version="1.0" encoding="utf-8"?>
+<file path=ppt/slides/slide33.xml><?xml version="1.0" encoding="utf-8"?>
 <p:sld xmlns:a="http://schemas.openxmlformats.org/drawingml/2006/main" xmlns:r="http://schemas.openxmlformats.org/officeDocument/2006/relationships" xmlns:p="http://schemas.openxmlformats.org/presentationml/2006/main">
   <p:cSld>
     <p:spTree>
@@ -18165,14 +18681,14 @@
           <a:p>
             <a:r>
               <a:rPr lang="en-US"/>
-              <a:t>MULTI-COMPONENT DIFFERENTIAL EQUATIONS SPECIFIED SYSTEM FORMALISM</a:t>
+              <a:t>MULTI-COMPONENT DIFFERENTIAL EQUATIONS SPECIFIED SYSTEM FORMALISM (cont.)</a:t>
             </a:r>
             <a:endParaRPr lang="id-ID"/>
           </a:p>
         </p:txBody>
       </p:sp>
-      <mc:AlternateContent xmlns:mc="http://schemas.openxmlformats.org/markup-compatibility/2006">
-        <mc:Choice xmlns:a14="http://schemas.microsoft.com/office/drawing/2010/main" Requires="a14">
+      <mc:AlternateContent xmlns:mc="http://schemas.openxmlformats.org/markup-compatibility/2006" xmlns:a14="http://schemas.microsoft.com/office/drawing/2010/main">
+        <mc:Choice Requires="a14">
           <p:sp>
             <p:nvSpPr>
               <p:cNvPr id="3" name="Content Placeholder 2">
@@ -18868,7 +19384,7 @@
             </p:txBody>
           </p:sp>
         </mc:Choice>
-        <mc:Fallback>
+        <mc:Fallback xmlns="">
           <p:sp>
             <p:nvSpPr>
               <p:cNvPr id="3" name="Content Placeholder 2">
@@ -18925,7 +19441,7 @@
 </p:sld>
 </file>
 
-<file path=ppt/slides/slide33.xml><?xml version="1.0" encoding="utf-8"?>
+<file path=ppt/slides/slide34.xml><?xml version="1.0" encoding="utf-8"?>
 <p:sld xmlns:a="http://schemas.openxmlformats.org/drawingml/2006/main" xmlns:r="http://schemas.openxmlformats.org/officeDocument/2006/relationships" xmlns:p="http://schemas.openxmlformats.org/presentationml/2006/main">
   <p:cSld>
     <p:spTree>
@@ -18972,14 +19488,14 @@
           <a:p>
             <a:r>
               <a:rPr lang="en-US"/>
-              <a:t>MULTI-COMPONENT DIFFERENTIAL EQUATIONS SPECIFIED SYSTEM FORMALISM</a:t>
+              <a:t>MULTI-COMPONENT DIFFERENTIAL EQUATIONS SPECIFIED SYSTEM FORMALISM (cont.)</a:t>
             </a:r>
             <a:endParaRPr lang="id-ID"/>
           </a:p>
         </p:txBody>
       </p:sp>
-      <mc:AlternateContent xmlns:mc="http://schemas.openxmlformats.org/markup-compatibility/2006">
-        <mc:Choice xmlns:a14="http://schemas.microsoft.com/office/drawing/2010/main" Requires="a14">
+      <mc:AlternateContent xmlns:mc="http://schemas.openxmlformats.org/markup-compatibility/2006" xmlns:a14="http://schemas.microsoft.com/office/drawing/2010/main">
+        <mc:Choice Requires="a14">
           <p:sp>
             <p:nvSpPr>
               <p:cNvPr id="3" name="Content Placeholder 2">
@@ -19521,7 +20037,7 @@
             </p:txBody>
           </p:sp>
         </mc:Choice>
-        <mc:Fallback>
+        <mc:Fallback xmlns="">
           <p:sp>
             <p:nvSpPr>
               <p:cNvPr id="3" name="Content Placeholder 2">
@@ -19565,100 +20081,6 @@
     <p:extLst>
       <p:ext uri="{BB962C8B-B14F-4D97-AF65-F5344CB8AC3E}">
         <p14:creationId xmlns:p14="http://schemas.microsoft.com/office/powerpoint/2010/main" val="2137886197"/>
-      </p:ext>
-    </p:extLst>
-  </p:cSld>
-  <p:clrMapOvr>
-    <a:masterClrMapping/>
-  </p:clrMapOvr>
-</p:sld>
-</file>
-
-<file path=ppt/slides/slide34.xml><?xml version="1.0" encoding="utf-8"?>
-<p:sld xmlns:a="http://schemas.openxmlformats.org/drawingml/2006/main" xmlns:r="http://schemas.openxmlformats.org/officeDocument/2006/relationships" xmlns:p="http://schemas.openxmlformats.org/presentationml/2006/main">
-  <p:cSld>
-    <p:spTree>
-      <p:nvGrpSpPr>
-        <p:cNvPr id="1" name=""/>
-        <p:cNvGrpSpPr/>
-        <p:nvPr/>
-      </p:nvGrpSpPr>
-      <p:grpSpPr>
-        <a:xfrm>
-          <a:off x="0" y="0"/>
-          <a:ext cx="0" cy="0"/>
-          <a:chOff x="0" y="0"/>
-          <a:chExt cx="0" cy="0"/>
-        </a:xfrm>
-      </p:grpSpPr>
-      <p:sp>
-        <p:nvSpPr>
-          <p:cNvPr id="2" name="Title 1">
-            <a:extLst>
-              <a:ext uri="{FF2B5EF4-FFF2-40B4-BE49-F238E27FC236}">
-                <a16:creationId xmlns:a16="http://schemas.microsoft.com/office/drawing/2014/main" id="{12499BC0-DAF7-48FA-9A1E-B3529DB17DA9}"/>
-              </a:ext>
-            </a:extLst>
-          </p:cNvPr>
-          <p:cNvSpPr>
-            <a:spLocks noGrp="1"/>
-          </p:cNvSpPr>
-          <p:nvPr>
-            <p:ph type="title"/>
-          </p:nvPr>
-        </p:nvSpPr>
-        <p:spPr>
-          <a:xfrm>
-            <a:off x="1371600" y="685800"/>
-            <a:ext cx="9810750" cy="1485900"/>
-          </a:xfrm>
-        </p:spPr>
-        <p:txBody>
-          <a:bodyPr>
-            <a:normAutofit fontScale="90000"/>
-          </a:bodyPr>
-          <a:lstStyle/>
-          <a:p>
-            <a:r>
-              <a:rPr lang="en-US"/>
-              <a:t>MULTI-COMPONENT DIFFERENTIAL EQUATIONS SPECIFIED SYSTEM FORMALISM</a:t>
-            </a:r>
-            <a:endParaRPr lang="id-ID"/>
-          </a:p>
-        </p:txBody>
-      </p:sp>
-      <p:sp>
-        <p:nvSpPr>
-          <p:cNvPr id="3" name="Content Placeholder 2">
-            <a:extLst>
-              <a:ext uri="{FF2B5EF4-FFF2-40B4-BE49-F238E27FC236}">
-                <a16:creationId xmlns:a16="http://schemas.microsoft.com/office/drawing/2014/main" id="{476A8476-5DB4-4ED7-93DB-A79E12FBB807}"/>
-              </a:ext>
-            </a:extLst>
-          </p:cNvPr>
-          <p:cNvSpPr>
-            <a:spLocks noGrp="1"/>
-          </p:cNvSpPr>
-          <p:nvPr>
-            <p:ph idx="1"/>
-          </p:nvPr>
-        </p:nvSpPr>
-        <p:spPr/>
-        <p:txBody>
-          <a:bodyPr/>
-          <a:lstStyle/>
-          <a:p>
-            <a:r>
-              <a:rPr lang="en-US"/>
-              <a:t>In a multiDESS, the derivative function of each component defines the rate of change of its local state variables. </a:t>
-            </a:r>
-          </a:p>
-        </p:txBody>
-      </p:sp>
-    </p:spTree>
-    <p:extLst>
-      <p:ext uri="{BB962C8B-B14F-4D97-AF65-F5344CB8AC3E}">
-        <p14:creationId xmlns:p14="http://schemas.microsoft.com/office/powerpoint/2010/main" val="928333919"/>
       </p:ext>
     </p:extLst>
   </p:cSld>
@@ -19715,7 +20137,7 @@
           <a:p>
             <a:r>
               <a:rPr lang="en-US"/>
-              <a:t>MULTI-COMPONENT DIFFERENTIAL EQUATIONS SPECIFIED SYSTEM FORMALISM</a:t>
+              <a:t>MULTI-COMPONENT DIFFERENTIAL EQUATIONS SPECIFIED SYSTEM FORMALISM (cont.)</a:t>
             </a:r>
             <a:endParaRPr lang="id-ID"/>
           </a:p>
@@ -19739,10 +20161,15 @@
                 <p:ph idx="1"/>
               </p:nvPr>
             </p:nvSpPr>
-            <p:spPr/>
+            <p:spPr>
+              <a:xfrm>
+                <a:off x="1371600" y="2171700"/>
+                <a:ext cx="9601200" cy="3763108"/>
+              </a:xfrm>
+            </p:spPr>
             <p:txBody>
               <a:bodyPr>
-                <a:normAutofit fontScale="92500" lnSpcReduction="20000"/>
+                <a:noAutofit/>
               </a:bodyPr>
               <a:lstStyle/>
               <a:p>
@@ -20520,10 +20947,14 @@
               </p:nvPr>
             </p:nvSpPr>
             <p:spPr>
+              <a:xfrm>
+                <a:off x="1371600" y="2171700"/>
+                <a:ext cx="9601200" cy="3763108"/>
+              </a:xfrm>
               <a:blipFill>
                 <a:blip r:embed="rId2"/>
                 <a:stretch>
-                  <a:fillRect l="-1333" t="-5272" b="-2721"/>
+                  <a:fillRect l="-1460" t="-2751" b="-30906"/>
                 </a:stretch>
               </a:blipFill>
             </p:spPr>
@@ -20602,14 +21033,14 @@
           <a:p>
             <a:r>
               <a:rPr lang="en-US"/>
-              <a:t>MULTI-COMPONENT DIFFERENTIAL EQUATIONS SPECIFIED SYSTEM FORMALISM</a:t>
+              <a:t>MULTI-COMPONENT DIFFERENTIAL EQUATIONS SPECIFIED SYSTEM FORMALISM (cont.)</a:t>
             </a:r>
             <a:endParaRPr lang="id-ID"/>
           </a:p>
         </p:txBody>
       </p:sp>
-      <mc:AlternateContent xmlns:mc="http://schemas.openxmlformats.org/markup-compatibility/2006">
-        <mc:Choice xmlns:a14="http://schemas.microsoft.com/office/drawing/2010/main" Requires="a14">
+      <mc:AlternateContent xmlns:mc="http://schemas.openxmlformats.org/markup-compatibility/2006" xmlns:a14="http://schemas.microsoft.com/office/drawing/2010/main">
+        <mc:Choice Requires="a14">
           <p:sp>
             <p:nvSpPr>
               <p:cNvPr id="3" name="Content Placeholder 2">
@@ -20796,7 +21227,7 @@
             </p:txBody>
           </p:sp>
         </mc:Choice>
-        <mc:Fallback>
+        <mc:Fallback xmlns="">
           <p:sp>
             <p:nvSpPr>
               <p:cNvPr id="3" name="Content Placeholder 2">
@@ -20896,14 +21327,14 @@
           <a:p>
             <a:r>
               <a:rPr lang="en-US"/>
-              <a:t>MULTI-COMPONENT DIFFERENTIAL EQUATIONS SPECIFIED SYSTEM FORMALISM</a:t>
+              <a:t>MULTI-COMPONENT DIFFERENTIAL EQUATIONS SPECIFIED SYSTEM FORMALISM (cont.)</a:t>
             </a:r>
             <a:endParaRPr lang="id-ID"/>
           </a:p>
         </p:txBody>
       </p:sp>
-      <mc:AlternateContent xmlns:mc="http://schemas.openxmlformats.org/markup-compatibility/2006">
-        <mc:Choice xmlns:a14="http://schemas.microsoft.com/office/drawing/2010/main" Requires="a14">
+      <mc:AlternateContent xmlns:mc="http://schemas.openxmlformats.org/markup-compatibility/2006" xmlns:a14="http://schemas.microsoft.com/office/drawing/2010/main">
+        <mc:Choice Requires="a14">
           <p:sp>
             <p:nvSpPr>
               <p:cNvPr id="3" name="Content Placeholder 2">
@@ -22427,7 +22858,7 @@
             </p:txBody>
           </p:sp>
         </mc:Choice>
-        <mc:Fallback>
+        <mc:Fallback xmlns="">
           <p:sp>
             <p:nvSpPr>
               <p:cNvPr id="3" name="Content Placeholder 2">
@@ -22619,14 +23050,14 @@
           <a:p>
             <a:r>
               <a:rPr lang="en-US"/>
-              <a:t>SPATIAL DESS: PARTIAL DIFFERENTIAL EQUATION MODELS</a:t>
+              <a:t>SPATIAL DESS: PARTIAL DIFFERENTIAL EQUATION MODELS (cont.)</a:t>
             </a:r>
             <a:endParaRPr lang="id-ID"/>
           </a:p>
         </p:txBody>
       </p:sp>
-      <mc:AlternateContent xmlns:mc="http://schemas.openxmlformats.org/markup-compatibility/2006">
-        <mc:Choice xmlns:a14="http://schemas.microsoft.com/office/drawing/2010/main" Requires="a14">
+      <mc:AlternateContent xmlns:mc="http://schemas.openxmlformats.org/markup-compatibility/2006" xmlns:a14="http://schemas.microsoft.com/office/drawing/2010/main">
+        <mc:Choice Requires="a14">
           <p:sp>
             <p:nvSpPr>
               <p:cNvPr id="3" name="Content Placeholder 2">
@@ -22808,7 +23239,7 @@
             </p:txBody>
           </p:sp>
         </mc:Choice>
-        <mc:Fallback>
+        <mc:Fallback xmlns="">
           <p:sp>
             <p:nvSpPr>
               <p:cNvPr id="3" name="Content Placeholder 2">
@@ -22981,7 +23412,7 @@
           <a:p>
             <a:r>
               <a:rPr lang="en-US"/>
-              <a:t>SPATIAL DESS: PARTIAL DIFFERENTIAL EQUATION MODELS</a:t>
+              <a:t>SPATIAL DESS: PARTIAL DIFFERENTIAL EQUATION MODELS (cont.)</a:t>
             </a:r>
             <a:endParaRPr lang="id-ID"/>
           </a:p>
@@ -23076,14 +23507,14 @@
           <a:p>
             <a:r>
               <a:rPr lang="en-US"/>
-              <a:t>SPATIAL DESS: PARTIAL DIFFERENTIAL EQUATION MODELS</a:t>
+              <a:t>SPATIAL DESS: PARTIAL DIFFERENTIAL EQUATION MODELS (cont.)</a:t>
             </a:r>
             <a:endParaRPr lang="id-ID"/>
           </a:p>
         </p:txBody>
       </p:sp>
-      <mc:AlternateContent xmlns:mc="http://schemas.openxmlformats.org/markup-compatibility/2006">
-        <mc:Choice xmlns:a14="http://schemas.microsoft.com/office/drawing/2010/main" Requires="a14">
+      <mc:AlternateContent xmlns:mc="http://schemas.openxmlformats.org/markup-compatibility/2006" xmlns:a14="http://schemas.microsoft.com/office/drawing/2010/main">
+        <mc:Choice Requires="a14">
           <p:sp>
             <p:nvSpPr>
               <p:cNvPr id="3" name="Content Placeholder 2">
@@ -23279,7 +23710,7 @@
             </p:txBody>
           </p:sp>
         </mc:Choice>
-        <mc:Fallback>
+        <mc:Fallback xmlns="">
           <p:sp>
             <p:nvSpPr>
               <p:cNvPr id="3" name="Content Placeholder 2">
@@ -23372,14 +23803,14 @@
           <a:p>
             <a:r>
               <a:rPr lang="en-US"/>
-              <a:t>SPATIAL DESS: PARTIAL DIFFERENTIAL EQUATION MODELS</a:t>
+              <a:t>SPATIAL DESS: PARTIAL DIFFERENTIAL EQUATION MODELS (cont.)</a:t>
             </a:r>
             <a:endParaRPr lang="id-ID"/>
           </a:p>
         </p:txBody>
       </p:sp>
-      <mc:AlternateContent xmlns:mc="http://schemas.openxmlformats.org/markup-compatibility/2006">
-        <mc:Choice xmlns:a14="http://schemas.microsoft.com/office/drawing/2010/main" Requires="a14">
+      <mc:AlternateContent xmlns:mc="http://schemas.openxmlformats.org/markup-compatibility/2006" xmlns:a14="http://schemas.microsoft.com/office/drawing/2010/main">
+        <mc:Choice Requires="a14">
           <p:sp>
             <p:nvSpPr>
               <p:cNvPr id="3" name="Content Placeholder 2">
@@ -23719,7 +24150,7 @@
             </p:txBody>
           </p:sp>
         </mc:Choice>
-        <mc:Fallback>
+        <mc:Fallback xmlns="">
           <p:sp>
             <p:nvSpPr>
               <p:cNvPr id="3" name="Content Placeholder 2">
@@ -23812,14 +24243,14 @@
           <a:p>
             <a:r>
               <a:rPr lang="en-US"/>
-              <a:t>SPATIAL DESS: PARTIAL DIFFERENTIAL EQUATION MODELS</a:t>
+              <a:t>SPATIAL DESS: PARTIAL DIFFERENTIAL EQUATION MODELS (cont.)</a:t>
             </a:r>
             <a:endParaRPr lang="id-ID"/>
           </a:p>
         </p:txBody>
       </p:sp>
-      <mc:AlternateContent xmlns:mc="http://schemas.openxmlformats.org/markup-compatibility/2006">
-        <mc:Choice xmlns:a14="http://schemas.microsoft.com/office/drawing/2010/main" Requires="a14">
+      <mc:AlternateContent xmlns:mc="http://schemas.openxmlformats.org/markup-compatibility/2006" xmlns:a14="http://schemas.microsoft.com/office/drawing/2010/main">
+        <mc:Choice Requires="a14">
           <p:sp>
             <p:nvSpPr>
               <p:cNvPr id="3" name="Content Placeholder 2">
@@ -24026,7 +24457,7 @@
             </p:txBody>
           </p:sp>
         </mc:Choice>
-        <mc:Fallback>
+        <mc:Fallback xmlns="">
           <p:sp>
             <p:nvSpPr>
               <p:cNvPr id="3" name="Content Placeholder 2">
@@ -24119,7 +24550,7 @@
           <a:p>
             <a:r>
               <a:rPr lang="en-US"/>
-              <a:t>SPATIAL DESS: PARTIAL DIFFERENTIAL EQUATION MODELS</a:t>
+              <a:t>SPATIAL DESS: PARTIAL DIFFERENTIAL EQUATION MODELS (cont.)</a:t>
             </a:r>
             <a:endParaRPr lang="id-ID"/>
           </a:p>
@@ -24186,6 +24617,9 @@
                   <a:rPr lang="en-US"/>
                   <a:t>:</a:t>
                 </a:r>
+              </a:p>
+              <a:p>
+                <a:endParaRPr lang="en-US"/>
               </a:p>
               <a:p>
                 <a:pPr marL="0" indent="0">
@@ -24519,12 +24953,14 @@
         </p:nvSpPr>
         <p:spPr/>
         <p:txBody>
-          <a:bodyPr/>
+          <a:bodyPr>
+            <a:normAutofit/>
+          </a:bodyPr>
           <a:lstStyle/>
           <a:p>
             <a:r>
               <a:rPr lang="en-US"/>
-              <a:t>What have we accomplished finally?</a:t>
+              <a:t>SPATIAL DESS: PARTIAL DIFFERENTIAL EQUATION MODELS (cont.)</a:t>
             </a:r>
             <a:endParaRPr lang="id-ID"/>
           </a:p>
@@ -24551,25 +24987,34 @@
             <p:spPr/>
             <p:txBody>
               <a:bodyPr>
-                <a:normAutofit fontScale="85000" lnSpcReduction="10000"/>
+                <a:normAutofit fontScale="92500" lnSpcReduction="20000"/>
               </a:bodyPr>
               <a:lstStyle/>
               <a:p>
+                <a:pPr marL="0" indent="0">
+                  <a:buNone/>
+                </a:pPr>
                 <a:r>
                   <a:rPr lang="en-US"/>
-                  <a:t>With a partial differential equation with derivatives in time and space dimension, we have discretized space and time. </a:t>
+                  <a:t>What have we accomplished finally?</a:t>
                 </a:r>
               </a:p>
               <a:p>
                 <a:r>
                   <a:rPr lang="en-US"/>
-                  <a:t>With the discretization of space we obtained a continuous multi-component model in cellular form with equal derivative functions for the cells. </a:t>
+                  <a:t>we have discretized space and time. </a:t>
                 </a:r>
               </a:p>
               <a:p>
                 <a:r>
                   <a:rPr lang="en-US"/>
-                  <a:t>With the discretization of space we finally have obtained a cellular automaton with neighborhood </a:t>
+                  <a:t>we obtained a continuous multi-component model in cellular form with equal derivative functions for the cells. </a:t>
+                </a:r>
+              </a:p>
+              <a:p>
+                <a:r>
+                  <a:rPr lang="en-US"/>
+                  <a:t>we finally have obtained a cellular automaton with neighborhood </a:t>
                 </a:r>
                 <a14:m>
                   <m:oMath xmlns:m="http://schemas.openxmlformats.org/officeDocument/2006/math">
@@ -24667,9 +25112,9 @@
             </p:nvSpPr>
             <p:spPr>
               <a:blipFill>
-                <a:blip r:embed="rId2"/>
+                <a:blip r:embed="rId3"/>
                 <a:stretch>
-                  <a:fillRect l="-1079" t="-3401" r="-1587"/>
+                  <a:fillRect l="-1460" t="-5272"/>
                 </a:stretch>
               </a:blipFill>
             </p:spPr>
@@ -24951,7 +25396,9 @@
         </p:nvSpPr>
         <p:spPr/>
         <p:txBody>
-          <a:bodyPr/>
+          <a:bodyPr>
+            <a:normAutofit fontScale="90000"/>
+          </a:bodyPr>
           <a:lstStyle/>
           <a:p>
             <a:r>
@@ -24982,6 +25429,11 @@
               <a:rPr lang="id-ID"/>
               <a:t>FORMALISM</a:t>
             </a:r>
+            <a:r>
+              <a:rPr lang="en-US"/>
+              <a:t> (cont.)</a:t>
+            </a:r>
+            <a:endParaRPr lang="id-ID"/>
           </a:p>
         </p:txBody>
       </p:sp>
@@ -25074,7 +25526,9 @@
         </p:nvSpPr>
         <p:spPr/>
         <p:txBody>
-          <a:bodyPr/>
+          <a:bodyPr>
+            <a:normAutofit fontScale="90000"/>
+          </a:bodyPr>
           <a:lstStyle/>
           <a:p>
             <a:r>
@@ -25105,6 +25559,11 @@
               <a:rPr lang="id-ID"/>
               <a:t>FORMALISM</a:t>
             </a:r>
+            <a:r>
+              <a:rPr lang="en-US"/>
+              <a:t> (cont.)</a:t>
+            </a:r>
+            <a:endParaRPr lang="id-ID"/>
           </a:p>
         </p:txBody>
       </p:sp>
@@ -25217,8 +25676,8 @@
           </a:p>
         </p:txBody>
       </p:sp>
-      <mc:AlternateContent xmlns:mc="http://schemas.openxmlformats.org/markup-compatibility/2006">
-        <mc:Choice xmlns:a14="http://schemas.microsoft.com/office/drawing/2010/main" Requires="a14">
+      <mc:AlternateContent xmlns:mc="http://schemas.openxmlformats.org/markup-compatibility/2006" xmlns:a14="http://schemas.microsoft.com/office/drawing/2010/main">
+        <mc:Choice Requires="a14">
           <p:sp>
             <p:nvSpPr>
               <p:cNvPr id="3" name="Content Placeholder 2">
@@ -25753,7 +26212,7 @@
             </p:txBody>
           </p:sp>
         </mc:Choice>
-        <mc:Fallback>
+        <mc:Fallback xmlns="">
           <p:sp>
             <p:nvSpPr>
               <p:cNvPr id="3" name="Content Placeholder 2">
@@ -25841,7 +26300,9 @@
         </p:nvSpPr>
         <p:spPr/>
         <p:txBody>
-          <a:bodyPr/>
+          <a:bodyPr>
+            <a:normAutofit fontScale="90000"/>
+          </a:bodyPr>
           <a:lstStyle/>
           <a:p>
             <a:r>
@@ -25872,6 +26333,11 @@
               <a:rPr lang="id-ID"/>
               <a:t>FORMALISM</a:t>
             </a:r>
+            <a:r>
+              <a:rPr lang="en-US"/>
+              <a:t> (cont.)</a:t>
+            </a:r>
+            <a:endParaRPr lang="id-ID"/>
           </a:p>
         </p:txBody>
       </p:sp>
@@ -25970,7 +26436,9 @@
         </p:nvSpPr>
         <p:spPr/>
         <p:txBody>
-          <a:bodyPr/>
+          <a:bodyPr>
+            <a:normAutofit fontScale="90000"/>
+          </a:bodyPr>
           <a:lstStyle/>
           <a:p>
             <a:r>
@@ -26001,6 +26469,11 @@
               <a:rPr lang="id-ID"/>
               <a:t>FORMALISM</a:t>
             </a:r>
+            <a:r>
+              <a:rPr lang="en-US"/>
+              <a:t> (cont.)</a:t>
+            </a:r>
+            <a:endParaRPr lang="id-ID"/>
           </a:p>
         </p:txBody>
       </p:sp>
@@ -26104,7 +26577,9 @@
         </p:nvSpPr>
         <p:spPr/>
         <p:txBody>
-          <a:bodyPr/>
+          <a:bodyPr>
+            <a:normAutofit fontScale="90000"/>
+          </a:bodyPr>
           <a:lstStyle/>
           <a:p>
             <a:r>
@@ -26135,6 +26610,11 @@
               <a:rPr lang="id-ID"/>
               <a:t>FORMALISM</a:t>
             </a:r>
+            <a:r>
+              <a:rPr lang="en-US"/>
+              <a:t> (cont.)</a:t>
+            </a:r>
+            <a:endParaRPr lang="id-ID"/>
           </a:p>
         </p:txBody>
       </p:sp>
@@ -26238,7 +26718,9 @@
         </p:nvSpPr>
         <p:spPr/>
         <p:txBody>
-          <a:bodyPr/>
+          <a:bodyPr>
+            <a:normAutofit fontScale="90000"/>
+          </a:bodyPr>
           <a:lstStyle/>
           <a:p>
             <a:r>
@@ -26269,6 +26751,11 @@
               <a:rPr lang="id-ID"/>
               <a:t>FORMALISM</a:t>
             </a:r>
+            <a:r>
+              <a:rPr lang="en-US"/>
+              <a:t> (cont.)</a:t>
+            </a:r>
+            <a:endParaRPr lang="id-ID"/>
           </a:p>
         </p:txBody>
       </p:sp>
@@ -26879,8 +27366,8 @@
           </a:p>
         </p:txBody>
       </p:sp>
-      <mc:AlternateContent xmlns:mc="http://schemas.openxmlformats.org/markup-compatibility/2006">
-        <mc:Choice xmlns:a14="http://schemas.microsoft.com/office/drawing/2010/main" Requires="a14">
+      <mc:AlternateContent xmlns:mc="http://schemas.openxmlformats.org/markup-compatibility/2006" xmlns:a14="http://schemas.microsoft.com/office/drawing/2010/main">
+        <mc:Choice Requires="a14">
           <p:sp>
             <p:nvSpPr>
               <p:cNvPr id="3" name="Content Placeholder 2">
@@ -26918,7 +27405,7 @@
                     <m:sSub>
                       <m:sSubPr>
                         <m:ctrlPr>
-                          <a:rPr lang="en-US" b="0" i="0" smtClean="0">
+                          <a:rPr lang="en-US" b="0" i="1" smtClean="0">
                             <a:latin typeface="Cambria Math" panose="02040503050406030204" pitchFamily="18" charset="0"/>
                           </a:rPr>
                         </m:ctrlPr>
@@ -26969,7 +27456,7 @@
                     <m:sSub>
                       <m:sSubPr>
                         <m:ctrlPr>
-                          <a:rPr lang="en-US" b="0" i="0" smtClean="0">
+                          <a:rPr lang="en-US" b="0" i="1" smtClean="0">
                             <a:latin typeface="Cambria Math" panose="02040503050406030204" pitchFamily="18" charset="0"/>
                           </a:rPr>
                         </m:ctrlPr>
@@ -27008,7 +27495,7 @@
             </p:txBody>
           </p:sp>
         </mc:Choice>
-        <mc:Fallback>
+        <mc:Fallback xmlns="">
           <p:sp>
             <p:nvSpPr>
               <p:cNvPr id="3" name="Content Placeholder 2">
@@ -27305,13 +27792,13 @@
         <p:spPr/>
         <p:txBody>
           <a:bodyPr>
-            <a:normAutofit fontScale="92500" lnSpcReduction="20000"/>
+            <a:normAutofit fontScale="92500" lnSpcReduction="10000"/>
           </a:bodyPr>
           <a:lstStyle/>
           <a:p>
             <a:r>
               <a:rPr lang="en-US"/>
-              <a:t>The third edition added new Section 7.7 on multiPDEVS which fills the hole opened with the introduction of Parallel DEVS and its application in a modular but not non-modular way. </a:t>
+              <a:t>The multiPDEVS fills the hole opened with the introduction of Parallel DEVS and its application in a modular but not non-modular way. </a:t>
             </a:r>
           </a:p>
           <a:p>
@@ -27319,9 +27806,6 @@
               <a:rPr lang="en-US"/>
               <a:t>The text summarizes (Foures et al., 2018) article which provides a comprehensive treatment of the introduced formalism addressing points such as well-definition and abstract simulators that are of interest whenever a new formalism is introduced.</a:t>
             </a:r>
-          </a:p>
-          <a:p>
-            <a:endParaRPr lang="id-ID"/>
           </a:p>
         </p:txBody>
       </p:sp>
@@ -27468,8 +27952,8 @@
           </a:p>
         </p:txBody>
       </p:sp>
-      <mc:AlternateContent xmlns:mc="http://schemas.openxmlformats.org/markup-compatibility/2006">
-        <mc:Choice xmlns:a14="http://schemas.microsoft.com/office/drawing/2010/main" Requires="a14">
+      <mc:AlternateContent xmlns:mc="http://schemas.openxmlformats.org/markup-compatibility/2006" xmlns:a14="http://schemas.microsoft.com/office/drawing/2010/main">
+        <mc:Choice Requires="a14">
           <p:sp>
             <p:nvSpPr>
               <p:cNvPr id="3" name="Content Placeholder 2">
@@ -27909,7 +28393,7 @@
             </p:txBody>
           </p:sp>
         </mc:Choice>
-        <mc:Fallback>
+        <mc:Fallback xmlns="">
           <p:sp>
             <p:nvSpPr>
               <p:cNvPr id="3" name="Content Placeholder 2">
@@ -28009,8 +28493,8 @@
           </a:p>
         </p:txBody>
       </p:sp>
-      <mc:AlternateContent xmlns:mc="http://schemas.openxmlformats.org/markup-compatibility/2006">
-        <mc:Choice xmlns:a14="http://schemas.microsoft.com/office/drawing/2010/main" Requires="a14">
+      <mc:AlternateContent xmlns:mc="http://schemas.openxmlformats.org/markup-compatibility/2006" xmlns:a14="http://schemas.microsoft.com/office/drawing/2010/main">
+        <mc:Choice Requires="a14">
           <p:sp>
             <p:nvSpPr>
               <p:cNvPr id="3" name="Content Placeholder 2">
@@ -29184,7 +29668,7 @@
                                       </m:mc>
                                     </m:mcs>
                                     <m:ctrlPr>
-                                      <a:rPr lang="en-US" sz="2800">
+                                      <a:rPr lang="en-US" sz="2800" i="1">
                                         <a:latin typeface="Cambria Math" panose="02040503050406030204" pitchFamily="18" charset="0"/>
                                       </a:rPr>
                                     </m:ctrlPr>
@@ -29484,7 +29968,7 @@
             </p:txBody>
           </p:sp>
         </mc:Choice>
-        <mc:Fallback>
+        <mc:Fallback xmlns="">
           <p:sp>
             <p:nvSpPr>
               <p:cNvPr id="3" name="Content Placeholder 2">
@@ -29584,8 +30068,8 @@
           </a:p>
         </p:txBody>
       </p:sp>
-      <mc:AlternateContent xmlns:mc="http://schemas.openxmlformats.org/markup-compatibility/2006">
-        <mc:Choice xmlns:a14="http://schemas.microsoft.com/office/drawing/2010/main" Requires="a14">
+      <mc:AlternateContent xmlns:mc="http://schemas.openxmlformats.org/markup-compatibility/2006" xmlns:a14="http://schemas.microsoft.com/office/drawing/2010/main">
+        <mc:Choice Requires="a14">
           <p:sp>
             <p:nvSpPr>
               <p:cNvPr id="3" name="Content Placeholder 2">
@@ -29981,7 +30465,7 @@
             </p:txBody>
           </p:sp>
         </mc:Choice>
-        <mc:Fallback>
+        <mc:Fallback xmlns="">
           <p:sp>
             <p:nvSpPr>
               <p:cNvPr id="3" name="Content Placeholder 2">
